--- a/Puzzlebot/Puzzlebot.pptx
+++ b/Puzzlebot/Puzzlebot.pptx
@@ -5,33 +5,30 @@
     <p:sldMasterId id="2147483829" r:id="rId1"/>
   </p:sldMasterIdLst>
   <p:notesMasterIdLst>
-    <p:notesMasterId r:id="rId23"/>
+    <p:notesMasterId r:id="rId20"/>
   </p:notesMasterIdLst>
   <p:handoutMasterIdLst>
-    <p:handoutMasterId r:id="rId24"/>
+    <p:handoutMasterId r:id="rId21"/>
   </p:handoutMasterIdLst>
   <p:sldIdLst>
     <p:sldId id="256" r:id="rId2"/>
-    <p:sldId id="283" r:id="rId3"/>
-    <p:sldId id="277" r:id="rId4"/>
-    <p:sldId id="281" r:id="rId5"/>
-    <p:sldId id="257" r:id="rId6"/>
-    <p:sldId id="272" r:id="rId7"/>
-    <p:sldId id="271" r:id="rId8"/>
-    <p:sldId id="260" r:id="rId9"/>
-    <p:sldId id="259" r:id="rId10"/>
-    <p:sldId id="263" r:id="rId11"/>
-    <p:sldId id="273" r:id="rId12"/>
-    <p:sldId id="262" r:id="rId13"/>
-    <p:sldId id="261" r:id="rId14"/>
-    <p:sldId id="264" r:id="rId15"/>
-    <p:sldId id="265" r:id="rId16"/>
-    <p:sldId id="274" r:id="rId17"/>
-    <p:sldId id="266" r:id="rId18"/>
-    <p:sldId id="268" r:id="rId19"/>
-    <p:sldId id="275" r:id="rId20"/>
-    <p:sldId id="280" r:id="rId21"/>
-    <p:sldId id="282" r:id="rId22"/>
+    <p:sldId id="257" r:id="rId3"/>
+    <p:sldId id="272" r:id="rId4"/>
+    <p:sldId id="271" r:id="rId5"/>
+    <p:sldId id="260" r:id="rId6"/>
+    <p:sldId id="259" r:id="rId7"/>
+    <p:sldId id="263" r:id="rId8"/>
+    <p:sldId id="273" r:id="rId9"/>
+    <p:sldId id="262" r:id="rId10"/>
+    <p:sldId id="261" r:id="rId11"/>
+    <p:sldId id="264" r:id="rId12"/>
+    <p:sldId id="265" r:id="rId13"/>
+    <p:sldId id="274" r:id="rId14"/>
+    <p:sldId id="266" r:id="rId15"/>
+    <p:sldId id="268" r:id="rId16"/>
+    <p:sldId id="275" r:id="rId17"/>
+    <p:sldId id="280" r:id="rId18"/>
+    <p:sldId id="282" r:id="rId19"/>
   </p:sldIdLst>
   <p:sldSz cx="12192000" cy="6858000"/>
   <p:notesSz cx="6858000" cy="9144000"/>
@@ -808,55 +805,33 @@
           <a:bodyPr/>
           <a:lstStyle/>
           <a:p>
-            <a:r>
-              <a:rPr lang="en-GB" dirty="0"/>
-              <a:t>The </a:t>
-            </a:r>
-            <a:r>
-              <a:rPr lang="en-GB" dirty="0" err="1"/>
-              <a:t>Rosserial</a:t>
-            </a:r>
-            <a:r>
-              <a:rPr lang="en-GB" dirty="0"/>
-              <a:t> package enables USB communication with the hacker board. When </a:t>
-            </a:r>
-            <a:r>
-              <a:rPr lang="en-GB" dirty="0" err="1"/>
-              <a:t>rosserial</a:t>
-            </a:r>
-            <a:r>
-              <a:rPr lang="en-GB" dirty="0"/>
-              <a:t> is activated, a set of topics appear to the Jetson which enable it to control the hacker board. </a:t>
-            </a:r>
-          </a:p>
-          <a:p>
-            <a:r>
-              <a:rPr lang="en-GB" dirty="0"/>
-              <a:t>The jetson is setup by flashing an OS image to an SD card, and then inserting it. Full instructions linked here.</a:t>
-            </a:r>
-          </a:p>
-          <a:p>
-            <a:r>
-              <a:rPr lang="en-GB" dirty="0"/>
-              <a:t>However, the Jetson does not come with ROS, so there are three methods to install it and configure it for use on the </a:t>
-            </a:r>
-            <a:r>
-              <a:rPr lang="en-GB" dirty="0" err="1"/>
-              <a:t>puzzlebot</a:t>
-            </a:r>
-            <a:r>
-              <a:rPr lang="en-GB" dirty="0"/>
-              <a:t>.</a:t>
-            </a:r>
-          </a:p>
-          <a:p>
             <a:pPr marL="171450" indent="-171450">
               <a:buFontTx/>
               <a:buChar char="-"/>
             </a:pPr>
             <a:r>
               <a:rPr lang="en-GB" dirty="0"/>
-              <a:t>Firstly, a pre-created image is available. This can be flashed onto the jetson using the same method as the standard image.</a:t>
+              <a:t>ROS Master running on the Nvidia Jetson</a:t>
+            </a:r>
+          </a:p>
+          <a:p>
+            <a:pPr marL="171450" indent="-171450">
+              <a:buFontTx/>
+              <a:buChar char="-"/>
+            </a:pPr>
+            <a:r>
+              <a:rPr lang="en-GB" dirty="0"/>
+              <a:t>Control nodes can be built to run on the jetson or on an external PC</a:t>
+            </a:r>
+          </a:p>
+          <a:p>
+            <a:pPr marL="171450" indent="-171450">
+              <a:buFontTx/>
+              <a:buChar char="-"/>
+            </a:pPr>
+            <a:r>
+              <a:rPr lang="en-GB" dirty="0"/>
+              <a:t>Pros of Jetson control nodes:</a:t>
             </a:r>
           </a:p>
           <a:p>
@@ -866,7 +841,7 @@
             </a:pPr>
             <a:r>
               <a:rPr lang="en-GB" dirty="0"/>
-              <a:t>The base image includes all the necessary programs (including ROS) for basic communication with the hacker board.</a:t>
+              <a:t>Jetson should have sufficient power to deal with most problems</a:t>
             </a:r>
           </a:p>
           <a:p>
@@ -875,28 +850,62 @@
               <a:buChar char="-"/>
             </a:pPr>
             <a:r>
-              <a:rPr lang="en-GB" dirty="0"/>
-              <a:t>A second version of the image also sets up OpenCV and the Pi Camera for communication with ROS</a:t>
-            </a:r>
-          </a:p>
-          <a:p>
-            <a:pPr marL="171450" indent="-171450">
+              <a:rPr lang="en-GB" dirty="0" err="1"/>
+              <a:t>Wifi</a:t>
+            </a:r>
+            <a:r>
+              <a:rPr lang="en-GB" dirty="0"/>
+              <a:t> transmission (e.g. of images) is slow</a:t>
+            </a:r>
+          </a:p>
+          <a:p>
+            <a:pPr marL="171450" lvl="0" indent="-171450">
               <a:buFontTx/>
               <a:buChar char="-"/>
             </a:pPr>
             <a:r>
               <a:rPr lang="en-GB" dirty="0"/>
-              <a:t>Secondly, if the user already has a Jetson up and running, ROS and the required packages can be installed by running a bash script</a:t>
-            </a:r>
-          </a:p>
-          <a:p>
-            <a:pPr marL="171450" indent="-171450">
+              <a:t>Pros of External compute unit control nodes:</a:t>
+            </a:r>
+          </a:p>
+          <a:p>
+            <a:pPr marL="628650" lvl="1" indent="-171450">
               <a:buFontTx/>
               <a:buChar char="-"/>
             </a:pPr>
             <a:r>
               <a:rPr lang="en-GB" dirty="0"/>
-              <a:t>Thirdly, detailed instructions for the manual configuration of ROS on the Jetson are provided in the Puzzlebot User Manual</a:t>
+              <a:t>Easier to debug without hooking the jetson up to peripherals</a:t>
+            </a:r>
+          </a:p>
+          <a:p>
+            <a:pPr marL="628650" lvl="1" indent="-171450">
+              <a:buFontTx/>
+              <a:buChar char="-"/>
+            </a:pPr>
+            <a:r>
+              <a:rPr lang="en-GB" dirty="0"/>
+              <a:t>External computer can be very powerful, but still likely to be bottlenecked by wireless transmission speeds</a:t>
+            </a:r>
+          </a:p>
+          <a:p>
+            <a:pPr marL="628650" lvl="1" indent="-171450">
+              <a:buFontTx/>
+              <a:buChar char="-"/>
+            </a:pPr>
+            <a:r>
+              <a:rPr lang="en-GB" dirty="0"/>
+              <a:t>Ideal for high level commands</a:t>
+            </a:r>
+          </a:p>
+          <a:p>
+            <a:pPr marL="628650" lvl="1" indent="-171450">
+              <a:buFontTx/>
+              <a:buChar char="-"/>
+            </a:pPr>
+            <a:r>
+              <a:rPr lang="en-GB" dirty="0"/>
+              <a:t>Use of world-level vision</a:t>
             </a:r>
           </a:p>
         </p:txBody>
@@ -918,7 +927,7 @@
           <a:p>
             <a:fld id="{E6263D67-EF4C-8247-91B6-64C2A295C9AC}" type="slidenum">
               <a:rPr lang="en-US" smtClean="0"/>
-              <a:t>12</a:t>
+              <a:t>10</a:t>
             </a:fld>
             <a:endParaRPr lang="en-US" dirty="0"/>
           </a:p>
@@ -927,7 +936,7 @@
     </p:spTree>
     <p:extLst>
       <p:ext uri="{BB962C8B-B14F-4D97-AF65-F5344CB8AC3E}">
-        <p14:creationId xmlns:p14="http://schemas.microsoft.com/office/powerpoint/2010/main" val="1120108425"/>
+        <p14:creationId xmlns:p14="http://schemas.microsoft.com/office/powerpoint/2010/main" val="1527442665"/>
       </p:ext>
     </p:extLst>
   </p:cSld>
@@ -987,7 +996,15 @@
             </a:pPr>
             <a:r>
               <a:rPr lang="en-GB" dirty="0"/>
-              <a:t>ROS Master running on the Nvidia Jetson</a:t>
+              <a:t>With Puzzlebot, the ROS Master runs on the </a:t>
+            </a:r>
+            <a:r>
+              <a:rPr lang="en-GB" dirty="0" err="1"/>
+              <a:t>puzzlebot</a:t>
+            </a:r>
+            <a:r>
+              <a:rPr lang="en-GB" dirty="0"/>
+              <a:t>, so the external PC must be directed to that master. </a:t>
             </a:r>
           </a:p>
           <a:p>
@@ -997,7 +1014,15 @@
             </a:pPr>
             <a:r>
               <a:rPr lang="en-GB" dirty="0"/>
-              <a:t>Control nodes can be built to run on the jetson or on an external PC</a:t>
+              <a:t>This enables remote control of the </a:t>
+            </a:r>
+            <a:r>
+              <a:rPr lang="en-GB" dirty="0" err="1"/>
+              <a:t>puzzlebot</a:t>
+            </a:r>
+            <a:r>
+              <a:rPr lang="en-GB" dirty="0"/>
+              <a:t> and debugging of the Jetson code, without needing to connect the jetson to a monitor/keyboard</a:t>
             </a:r>
           </a:p>
           <a:p>
@@ -1007,81 +1032,15 @@
             </a:pPr>
             <a:r>
               <a:rPr lang="en-GB" dirty="0"/>
-              <a:t>Pros of Jetson control nodes:</a:t>
-            </a:r>
-          </a:p>
-          <a:p>
-            <a:pPr marL="628650" lvl="1" indent="-171450">
-              <a:buFontTx/>
-              <a:buChar char="-"/>
-            </a:pPr>
-            <a:r>
-              <a:rPr lang="en-GB" dirty="0"/>
-              <a:t>Jetson should have sufficient power to deal with most problems</a:t>
-            </a:r>
-          </a:p>
-          <a:p>
-            <a:pPr marL="628650" lvl="1" indent="-171450">
-              <a:buFontTx/>
-              <a:buChar char="-"/>
-            </a:pPr>
+              <a:t>Mention </a:t>
+            </a:r>
             <a:r>
               <a:rPr lang="en-GB" dirty="0" err="1"/>
-              <a:t>Wifi</a:t>
-            </a:r>
-            <a:r>
-              <a:rPr lang="en-GB" dirty="0"/>
-              <a:t> transmission (e.g. of images) is slow</a:t>
-            </a:r>
-          </a:p>
-          <a:p>
-            <a:pPr marL="171450" lvl="0" indent="-171450">
-              <a:buFontTx/>
-              <a:buChar char="-"/>
-            </a:pPr>
-            <a:r>
-              <a:rPr lang="en-GB" dirty="0"/>
-              <a:t>Pros of External compute unit control nodes:</a:t>
-            </a:r>
-          </a:p>
-          <a:p>
-            <a:pPr marL="628650" lvl="1" indent="-171450">
-              <a:buFontTx/>
-              <a:buChar char="-"/>
-            </a:pPr>
-            <a:r>
-              <a:rPr lang="en-GB" dirty="0"/>
-              <a:t>Easier to debug without hooking the jetson up to peripherals</a:t>
-            </a:r>
-          </a:p>
-          <a:p>
-            <a:pPr marL="628650" lvl="1" indent="-171450">
-              <a:buFontTx/>
-              <a:buChar char="-"/>
-            </a:pPr>
-            <a:r>
-              <a:rPr lang="en-GB" dirty="0"/>
-              <a:t>External computer can be very powerful, but still likely to be bottlenecked by wireless transmission speeds</a:t>
-            </a:r>
-          </a:p>
-          <a:p>
-            <a:pPr marL="628650" lvl="1" indent="-171450">
-              <a:buFontTx/>
-              <a:buChar char="-"/>
-            </a:pPr>
-            <a:r>
-              <a:rPr lang="en-GB" dirty="0"/>
-              <a:t>Ideal for high level commands</a:t>
-            </a:r>
-          </a:p>
-          <a:p>
-            <a:pPr marL="628650" lvl="1" indent="-171450">
-              <a:buFontTx/>
-              <a:buChar char="-"/>
-            </a:pPr>
-            <a:r>
-              <a:rPr lang="en-GB" dirty="0"/>
-              <a:t>Use of world-level vision</a:t>
+              <a:t>ROS_Hostname</a:t>
+            </a:r>
+            <a:r>
+              <a:rPr lang="en-GB" dirty="0"/>
+              <a:t> – with more devices, referring to each by IP can be confusing, so ROS hostname provides a way to give each device a name</a:t>
             </a:r>
           </a:p>
         </p:txBody>
@@ -1103,7 +1062,7 @@
           <a:p>
             <a:fld id="{E6263D67-EF4C-8247-91B6-64C2A295C9AC}" type="slidenum">
               <a:rPr lang="en-US" smtClean="0"/>
-              <a:t>13</a:t>
+              <a:t>11</a:t>
             </a:fld>
             <a:endParaRPr lang="en-US" dirty="0"/>
           </a:p>
@@ -1112,7 +1071,7 @@
     </p:spTree>
     <p:extLst>
       <p:ext uri="{BB962C8B-B14F-4D97-AF65-F5344CB8AC3E}">
-        <p14:creationId xmlns:p14="http://schemas.microsoft.com/office/powerpoint/2010/main" val="1527442665"/>
+        <p14:creationId xmlns:p14="http://schemas.microsoft.com/office/powerpoint/2010/main" val="1383758443"/>
       </p:ext>
     </p:extLst>
   </p:cSld>
@@ -1172,15 +1131,7 @@
             </a:pPr>
             <a:r>
               <a:rPr lang="en-GB" dirty="0"/>
-              <a:t>With Puzzlebot, the ROS Master runs on the </a:t>
-            </a:r>
-            <a:r>
-              <a:rPr lang="en-GB" dirty="0" err="1"/>
-              <a:t>puzzlebot</a:t>
-            </a:r>
-            <a:r>
-              <a:rPr lang="en-GB" dirty="0"/>
-              <a:t>, so the external PC must be directed to that master. </a:t>
+              <a:t>For the Mexico course, the PuzzleBot will already be setup. Suggested to guide them through the setup process anyway as this will not always be the case. Click on the link, show them the etcher software</a:t>
             </a:r>
           </a:p>
           <a:p>
@@ -1190,15 +1141,15 @@
             </a:pPr>
             <a:r>
               <a:rPr lang="en-GB" dirty="0"/>
-              <a:t>This enables remote control of the </a:t>
+              <a:t>The teleoperation package enables basic keyboard control by publishing messages to the </a:t>
             </a:r>
             <a:r>
               <a:rPr lang="en-GB" dirty="0" err="1"/>
-              <a:t>puzzlebot</a:t>
-            </a:r>
-            <a:r>
-              <a:rPr lang="en-GB" dirty="0"/>
-              <a:t> and debugging of the Jetson code, without needing to connect the jetson to a monitor/keyboard</a:t>
+              <a:t>rostopic</a:t>
+            </a:r>
+            <a:r>
+              <a:rPr lang="en-GB" dirty="0"/>
+              <a:t> package</a:t>
             </a:r>
           </a:p>
           <a:p>
@@ -1208,16 +1159,33 @@
             </a:pPr>
             <a:r>
               <a:rPr lang="en-GB" dirty="0"/>
-              <a:t>Mention </a:t>
+              <a:t>NOTE: if multiple Jetsons are to be run in the same area, they will need to have unique Network names. Suggest demonstrating how to do this.</a:t>
+            </a:r>
+          </a:p>
+          <a:p>
+            <a:pPr marL="171450" indent="-171450">
+              <a:buFontTx/>
+              <a:buChar char="-"/>
+            </a:pPr>
+            <a:r>
+              <a:rPr lang="en-GB" dirty="0"/>
+              <a:t>Puzzlebot72 is also the default password for the Jetson itself, so if </a:t>
             </a:r>
             <a:r>
               <a:rPr lang="en-GB" dirty="0" err="1"/>
-              <a:t>ROS_Hostname</a:t>
-            </a:r>
-            <a:r>
-              <a:rPr lang="en-GB" dirty="0"/>
-              <a:t> – with more devices, referring to each by IP can be confusing, so ROS hostname provides a way to give each device a name</a:t>
-            </a:r>
+              <a:t>sudo</a:t>
+            </a:r>
+            <a:r>
+              <a:rPr lang="en-GB" dirty="0"/>
+              <a:t> is required, that is the password</a:t>
+            </a:r>
+          </a:p>
+          <a:p>
+            <a:pPr marL="171450" indent="-171450">
+              <a:buFontTx/>
+              <a:buChar char="-"/>
+            </a:pPr>
+            <a:endParaRPr lang="en-GB" dirty="0"/>
           </a:p>
         </p:txBody>
       </p:sp>
@@ -1238,7 +1206,7 @@
           <a:p>
             <a:fld id="{E6263D67-EF4C-8247-91B6-64C2A295C9AC}" type="slidenum">
               <a:rPr lang="en-US" smtClean="0"/>
-              <a:t>14</a:t>
+              <a:t>12</a:t>
             </a:fld>
             <a:endParaRPr lang="en-US" dirty="0"/>
           </a:p>
@@ -1247,7 +1215,7 @@
     </p:spTree>
     <p:extLst>
       <p:ext uri="{BB962C8B-B14F-4D97-AF65-F5344CB8AC3E}">
-        <p14:creationId xmlns:p14="http://schemas.microsoft.com/office/powerpoint/2010/main" val="1383758443"/>
+        <p14:creationId xmlns:p14="http://schemas.microsoft.com/office/powerpoint/2010/main" val="824762937"/>
       </p:ext>
     </p:extLst>
   </p:cSld>
@@ -1307,45 +1275,74 @@
             </a:pPr>
             <a:r>
               <a:rPr lang="en-GB" dirty="0"/>
-              <a:t>For the Mexico course, the PuzzleBot will already be setup. Suggested to guide them through the setup process anyway as this will not always be the case. Click on the link, show them the etcher software</a:t>
-            </a:r>
-          </a:p>
-          <a:p>
-            <a:pPr marL="171450" indent="-171450">
+              <a:t>Troubleshooting:</a:t>
+            </a:r>
+          </a:p>
+          <a:p>
+            <a:pPr marL="628650" lvl="1" indent="-171450">
               <a:buFontTx/>
               <a:buChar char="-"/>
             </a:pPr>
             <a:r>
               <a:rPr lang="en-GB" dirty="0"/>
-              <a:t>The teleoperation package enables basic keyboard control by publishing messages to the </a:t>
+              <a:t>If we can see the master on the external PC but not the right topics (usually just 2 or 3 topics including /</a:t>
             </a:r>
             <a:r>
               <a:rPr lang="en-GB" dirty="0" err="1"/>
-              <a:t>rostopic</a:t>
-            </a:r>
-            <a:r>
-              <a:rPr lang="en-GB" dirty="0"/>
-              <a:t> package</a:t>
-            </a:r>
-          </a:p>
-          <a:p>
-            <a:pPr marL="171450" indent="-171450">
+              <a:t>rosout</a:t>
+            </a:r>
+            <a:r>
+              <a:rPr lang="en-GB" dirty="0"/>
+              <a:t>), there is a problem with the </a:t>
+            </a:r>
+            <a:r>
+              <a:rPr lang="en-GB" dirty="0" err="1"/>
+              <a:t>hackerboard</a:t>
+            </a:r>
+            <a:r>
+              <a:rPr lang="en-GB" dirty="0"/>
+              <a:t> communication</a:t>
+            </a:r>
+          </a:p>
+          <a:p>
+            <a:pPr marL="628650" lvl="1" indent="-171450">
               <a:buFontTx/>
               <a:buChar char="-"/>
             </a:pPr>
             <a:r>
               <a:rPr lang="en-GB" dirty="0"/>
-              <a:t>NOTE: if multiple Jetsons are to be run in the same area, they will need to have unique Network names. Suggest demonstrating how to do this.</a:t>
-            </a:r>
-          </a:p>
-          <a:p>
-            <a:pPr marL="171450" indent="-171450">
+              <a:t>The communication can be restarted with </a:t>
+            </a:r>
+            <a:r>
+              <a:rPr lang="en-GB" dirty="0" err="1"/>
+              <a:t>sudo</a:t>
+            </a:r>
+            <a:r>
+              <a:rPr lang="en-GB" dirty="0"/>
+              <a:t> </a:t>
+            </a:r>
+            <a:r>
+              <a:rPr lang="en-GB" dirty="0" err="1"/>
+              <a:t>systemctl</a:t>
+            </a:r>
+            <a:r>
+              <a:rPr lang="en-GB" dirty="0"/>
+              <a:t> restart </a:t>
+            </a:r>
+            <a:r>
+              <a:rPr lang="en-GB" dirty="0" err="1"/>
+              <a:t>puzzlebot.service</a:t>
+            </a:r>
+            <a:endParaRPr lang="en-GB" dirty="0"/>
+          </a:p>
+          <a:p>
+            <a:pPr marL="628650" lvl="1" indent="-171450">
               <a:buFontTx/>
               <a:buChar char="-"/>
             </a:pPr>
             <a:r>
               <a:rPr lang="en-GB" dirty="0"/>
-              <a:t>Puzzlebot72 is also the default password for the Jetson itself, so if </a:t>
+              <a:t>The status of the communication can be checked with </a:t>
             </a:r>
             <a:r>
               <a:rPr lang="en-GB" dirty="0" err="1"/>
@@ -1353,11 +1350,24 @@
             </a:r>
             <a:r>
               <a:rPr lang="en-GB" dirty="0"/>
-              <a:t> is required, that is the password</a:t>
-            </a:r>
-          </a:p>
-          <a:p>
-            <a:pPr marL="171450" indent="-171450">
+              <a:t> </a:t>
+            </a:r>
+            <a:r>
+              <a:rPr lang="en-GB" dirty="0" err="1"/>
+              <a:t>systemctl</a:t>
+            </a:r>
+            <a:r>
+              <a:rPr lang="en-GB" dirty="0"/>
+              <a:t> status </a:t>
+            </a:r>
+            <a:r>
+              <a:rPr lang="en-GB" dirty="0" err="1"/>
+              <a:t>puzzlebot.service</a:t>
+            </a:r>
+            <a:endParaRPr lang="en-GB" dirty="0"/>
+          </a:p>
+          <a:p>
+            <a:pPr marL="628650" lvl="1" indent="-171450">
               <a:buFontTx/>
               <a:buChar char="-"/>
             </a:pPr>
@@ -1382,7 +1392,7 @@
           <a:p>
             <a:fld id="{E6263D67-EF4C-8247-91B6-64C2A295C9AC}" type="slidenum">
               <a:rPr lang="en-US" smtClean="0"/>
-              <a:t>15</a:t>
+              <a:t>13</a:t>
             </a:fld>
             <a:endParaRPr lang="en-US" dirty="0"/>
           </a:p>
@@ -1391,7 +1401,7 @@
     </p:spTree>
     <p:extLst>
       <p:ext uri="{BB962C8B-B14F-4D97-AF65-F5344CB8AC3E}">
-        <p14:creationId xmlns:p14="http://schemas.microsoft.com/office/powerpoint/2010/main" val="824762937"/>
+        <p14:creationId xmlns:p14="http://schemas.microsoft.com/office/powerpoint/2010/main" val="3723749046"/>
       </p:ext>
     </p:extLst>
   </p:cSld>
@@ -1451,102 +1461,27 @@
             </a:pPr>
             <a:r>
               <a:rPr lang="en-GB" dirty="0"/>
-              <a:t>Troubleshooting:</a:t>
-            </a:r>
-          </a:p>
-          <a:p>
-            <a:pPr marL="628650" lvl="1" indent="-171450">
+              <a:t>Simple sensors that require little processing power are typically connected to the hacker board, which supports sonar, line sensors, some LIDARs, and encoders out of the box. The data is then published to a ROS topic by the node which runs on the hacker board</a:t>
+            </a:r>
+          </a:p>
+          <a:p>
+            <a:pPr marL="171450" indent="-171450">
               <a:buFontTx/>
               <a:buChar char="-"/>
             </a:pPr>
             <a:r>
               <a:rPr lang="en-GB" dirty="0"/>
-              <a:t>If we can see the master on the external PC but not the right topics (usually just 2 or 3 topics including /</a:t>
-            </a:r>
-            <a:r>
-              <a:rPr lang="en-GB" dirty="0" err="1"/>
-              <a:t>rosout</a:t>
-            </a:r>
-            <a:r>
-              <a:rPr lang="en-GB" dirty="0"/>
-              <a:t>), there is a problem with the </a:t>
-            </a:r>
-            <a:r>
-              <a:rPr lang="en-GB" dirty="0" err="1"/>
-              <a:t>hackerboard</a:t>
-            </a:r>
-            <a:r>
-              <a:rPr lang="en-GB" dirty="0"/>
-              <a:t> communication</a:t>
-            </a:r>
-          </a:p>
-          <a:p>
-            <a:pPr marL="628650" lvl="1" indent="-171450">
+              <a:t>More complex sensors, such as some LIDARs or camera, are to be connected to the jetson. ROS packages to support those devices are typically made available either by their manufacturers, or by NVIDIA</a:t>
+            </a:r>
+          </a:p>
+          <a:p>
+            <a:pPr marL="171450" indent="-171450">
               <a:buFontTx/>
               <a:buChar char="-"/>
             </a:pPr>
-            <a:r>
-              <a:rPr lang="en-GB" dirty="0"/>
-              <a:t>The communication can be restarted with </a:t>
-            </a:r>
-            <a:r>
-              <a:rPr lang="en-GB" dirty="0" err="1"/>
-              <a:t>sudo</a:t>
-            </a:r>
-            <a:r>
-              <a:rPr lang="en-GB" dirty="0"/>
-              <a:t> </a:t>
-            </a:r>
-            <a:r>
-              <a:rPr lang="en-GB" dirty="0" err="1"/>
-              <a:t>systemctl</a:t>
-            </a:r>
-            <a:r>
-              <a:rPr lang="en-GB" dirty="0"/>
-              <a:t> restart </a:t>
-            </a:r>
-            <a:r>
-              <a:rPr lang="en-GB" dirty="0" err="1"/>
-              <a:t>puzzlebot.service</a:t>
-            </a:r>
             <a:endParaRPr lang="en-GB" dirty="0"/>
           </a:p>
           <a:p>
-            <a:pPr marL="628650" lvl="1" indent="-171450">
-              <a:buFontTx/>
-              <a:buChar char="-"/>
-            </a:pPr>
-            <a:r>
-              <a:rPr lang="en-GB" dirty="0"/>
-              <a:t>The status of the communication can be checked with </a:t>
-            </a:r>
-            <a:r>
-              <a:rPr lang="en-GB" dirty="0" err="1"/>
-              <a:t>sudo</a:t>
-            </a:r>
-            <a:r>
-              <a:rPr lang="en-GB" dirty="0"/>
-              <a:t> </a:t>
-            </a:r>
-            <a:r>
-              <a:rPr lang="en-GB" dirty="0" err="1"/>
-              <a:t>systemctl</a:t>
-            </a:r>
-            <a:r>
-              <a:rPr lang="en-GB" dirty="0"/>
-              <a:t> status </a:t>
-            </a:r>
-            <a:r>
-              <a:rPr lang="en-GB" dirty="0" err="1"/>
-              <a:t>puzzlebot.service</a:t>
-            </a:r>
-            <a:endParaRPr lang="en-GB" dirty="0"/>
-          </a:p>
-          <a:p>
-            <a:pPr marL="628650" lvl="1" indent="-171450">
-              <a:buFontTx/>
-              <a:buChar char="-"/>
-            </a:pPr>
             <a:endParaRPr lang="en-GB" dirty="0"/>
           </a:p>
         </p:txBody>
@@ -1568,7 +1503,7 @@
           <a:p>
             <a:fld id="{E6263D67-EF4C-8247-91B6-64C2A295C9AC}" type="slidenum">
               <a:rPr lang="en-US" smtClean="0"/>
-              <a:t>16</a:t>
+              <a:t>14</a:t>
             </a:fld>
             <a:endParaRPr lang="en-US" dirty="0"/>
           </a:p>
@@ -1577,7 +1512,7 @@
     </p:spTree>
     <p:extLst>
       <p:ext uri="{BB962C8B-B14F-4D97-AF65-F5344CB8AC3E}">
-        <p14:creationId xmlns:p14="http://schemas.microsoft.com/office/powerpoint/2010/main" val="3723749046"/>
+        <p14:creationId xmlns:p14="http://schemas.microsoft.com/office/powerpoint/2010/main" val="151694057"/>
       </p:ext>
     </p:extLst>
   </p:cSld>
@@ -1631,33 +1566,6 @@
           <a:bodyPr/>
           <a:lstStyle/>
           <a:p>
-            <a:pPr marL="171450" indent="-171450">
-              <a:buFontTx/>
-              <a:buChar char="-"/>
-            </a:pPr>
-            <a:r>
-              <a:rPr lang="en-GB" dirty="0"/>
-              <a:t>Simple sensors that require little processing power are typically connected to the hacker board, which supports sonar, line sensors, some LIDARs, and encoders out of the box. The data is then published to a ROS topic by the node which runs on the hacker board</a:t>
-            </a:r>
-          </a:p>
-          <a:p>
-            <a:pPr marL="171450" indent="-171450">
-              <a:buFontTx/>
-              <a:buChar char="-"/>
-            </a:pPr>
-            <a:r>
-              <a:rPr lang="en-GB" dirty="0"/>
-              <a:t>More complex sensors, such as some LIDARs or camera, are to be connected to the jetson. ROS packages to support those devices are typically made available either by their manufacturers, or by NVIDIA</a:t>
-            </a:r>
-          </a:p>
-          <a:p>
-            <a:pPr marL="171450" indent="-171450">
-              <a:buFontTx/>
-              <a:buChar char="-"/>
-            </a:pPr>
-            <a:endParaRPr lang="en-GB" dirty="0"/>
-          </a:p>
-          <a:p>
             <a:endParaRPr lang="en-GB" dirty="0"/>
           </a:p>
         </p:txBody>
@@ -1679,7 +1587,7 @@
           <a:p>
             <a:fld id="{E6263D67-EF4C-8247-91B6-64C2A295C9AC}" type="slidenum">
               <a:rPr lang="en-US" smtClean="0"/>
-              <a:t>17</a:t>
+              <a:t>15</a:t>
             </a:fld>
             <a:endParaRPr lang="en-US" dirty="0"/>
           </a:p>
@@ -1688,7 +1596,7 @@
     </p:spTree>
     <p:extLst>
       <p:ext uri="{BB962C8B-B14F-4D97-AF65-F5344CB8AC3E}">
-        <p14:creationId xmlns:p14="http://schemas.microsoft.com/office/powerpoint/2010/main" val="151694057"/>
+        <p14:creationId xmlns:p14="http://schemas.microsoft.com/office/powerpoint/2010/main" val="2969125346"/>
       </p:ext>
     </p:extLst>
   </p:cSld>
@@ -1742,7 +1650,70 @@
           <a:bodyPr/>
           <a:lstStyle/>
           <a:p>
-            <a:endParaRPr lang="en-GB" dirty="0"/>
+            <a:pPr marL="171450" indent="-171450">
+              <a:buFontTx/>
+              <a:buChar char="-"/>
+            </a:pPr>
+            <a:r>
+              <a:rPr lang="en-GB" dirty="0"/>
+              <a:t>Firstly, the robot should be made to drive in a square simply by sending commands on /cmd_vel for specific amounts of time, as was done with the simulator on day 1</a:t>
+            </a:r>
+          </a:p>
+          <a:p>
+            <a:pPr marL="171450" indent="-171450">
+              <a:buFontTx/>
+              <a:buChar char="-"/>
+            </a:pPr>
+            <a:r>
+              <a:rPr lang="en-GB" dirty="0"/>
+              <a:t>Secondly, a pair of P/PI/PID controllers should be added to control the forward speed and angle. Integrate </a:t>
+            </a:r>
+            <a:r>
+              <a:rPr lang="en-GB" dirty="0" err="1"/>
+              <a:t>wr</a:t>
+            </a:r>
+            <a:r>
+              <a:rPr lang="en-GB" dirty="0"/>
+              <a:t> and </a:t>
+            </a:r>
+            <a:r>
+              <a:rPr lang="en-GB" dirty="0" err="1"/>
+              <a:t>wl</a:t>
+            </a:r>
+            <a:r>
+              <a:rPr lang="en-GB" dirty="0"/>
+              <a:t>, work out the distance and angle of the robot, and then use them as error inputs to the controllers</a:t>
+            </a:r>
+          </a:p>
+          <a:p>
+            <a:pPr marL="171450" indent="-171450">
+              <a:buFontTx/>
+              <a:buChar char="-"/>
+            </a:pPr>
+            <a:r>
+              <a:rPr lang="en-GB" dirty="0"/>
+              <a:t>This figure shows the suggested structure of the controller node</a:t>
+            </a:r>
+          </a:p>
+          <a:p>
+            <a:pPr marL="171450" indent="-171450">
+              <a:buFontTx/>
+              <a:buChar char="-"/>
+            </a:pPr>
+            <a:r>
+              <a:rPr lang="en-GB" dirty="0"/>
+              <a:t>A loop such as this could be implemented either on  the jetson or a remote PC. However, here we shall be implementing it on the Jetson as future code will depend on this and will need to be on the Jetson</a:t>
+            </a:r>
+          </a:p>
+          <a:p>
+            <a:pPr marL="171450" indent="-171450">
+              <a:buFontTx/>
+              <a:buChar char="-"/>
+            </a:pPr>
+            <a:r>
+              <a:rPr lang="en-GB" dirty="0"/>
+              <a:t>Now we should have a basic navigation algorithm, based on dead-reckoning localisation. </a:t>
+            </a:r>
           </a:p>
         </p:txBody>
       </p:sp>
@@ -1763,7 +1734,7 @@
           <a:p>
             <a:fld id="{E6263D67-EF4C-8247-91B6-64C2A295C9AC}" type="slidenum">
               <a:rPr lang="en-US" smtClean="0"/>
-              <a:t>18</a:t>
+              <a:t>16</a:t>
             </a:fld>
             <a:endParaRPr lang="en-US" dirty="0"/>
           </a:p>
@@ -1772,7 +1743,7 @@
     </p:spTree>
     <p:extLst>
       <p:ext uri="{BB962C8B-B14F-4D97-AF65-F5344CB8AC3E}">
-        <p14:creationId xmlns:p14="http://schemas.microsoft.com/office/powerpoint/2010/main" val="2969125346"/>
+        <p14:creationId xmlns:p14="http://schemas.microsoft.com/office/powerpoint/2010/main" val="2690504929"/>
       </p:ext>
     </p:extLst>
   </p:cSld>
@@ -1832,7 +1803,7 @@
             </a:pPr>
             <a:r>
               <a:rPr lang="en-GB" dirty="0"/>
-              <a:t>Firstly, the robot should be made to drive in a square simply by sending commands on /cmd_vel for specific amounts of time, as was done with the simulator on day 1</a:t>
+              <a:t>This setup currently only has one node, however we may require multiple</a:t>
             </a:r>
           </a:p>
           <a:p>
@@ -1842,53 +1813,53 @@
             </a:pPr>
             <a:r>
               <a:rPr lang="en-GB" dirty="0"/>
-              <a:t>Secondly, a pair of P/PI/PID controllers should be added to control the forward speed and angle. Integrate </a:t>
-            </a:r>
-            <a:r>
-              <a:rPr lang="en-GB" dirty="0" err="1"/>
-              <a:t>wr</a:t>
-            </a:r>
-            <a:r>
-              <a:rPr lang="en-GB" dirty="0"/>
-              <a:t> and </a:t>
-            </a:r>
-            <a:r>
-              <a:rPr lang="en-GB" dirty="0" err="1"/>
-              <a:t>wl</a:t>
-            </a:r>
-            <a:r>
-              <a:rPr lang="en-GB" dirty="0"/>
-              <a:t>, work out the distance and angle of the robot, and then use them as error inputs to the controllers</a:t>
-            </a:r>
-          </a:p>
-          <a:p>
-            <a:pPr marL="171450" indent="-171450">
+              <a:t>Also, it is useful to be able to edit the PID parameters from a config file.</a:t>
+            </a:r>
+          </a:p>
+          <a:p>
+            <a:pPr marL="628650" lvl="1" indent="-171450">
               <a:buFontTx/>
               <a:buChar char="-"/>
             </a:pPr>
             <a:r>
               <a:rPr lang="en-GB" dirty="0"/>
-              <a:t>This figure shows the suggested structure of the controller node</a:t>
-            </a:r>
-          </a:p>
-          <a:p>
-            <a:pPr marL="171450" indent="-171450">
+              <a:t>Easier to navigate on an external PC</a:t>
+            </a:r>
+          </a:p>
+          <a:p>
+            <a:pPr marL="628650" lvl="1" indent="-171450">
               <a:buFontTx/>
               <a:buChar char="-"/>
             </a:pPr>
             <a:r>
               <a:rPr lang="en-GB" dirty="0"/>
-              <a:t>A loop such as this could be implemented either on  the jetson or a remote PC. However, here we shall be implementing it on the Jetson as future code will depend on this and will need to be on the Jetson</a:t>
-            </a:r>
-          </a:p>
-          <a:p>
-            <a:pPr marL="171450" indent="-171450">
+              <a:t>When using </a:t>
+            </a:r>
+            <a:r>
+              <a:rPr lang="en-GB" dirty="0" err="1"/>
+              <a:t>c++</a:t>
+            </a:r>
+            <a:r>
+              <a:rPr lang="en-GB" dirty="0"/>
+              <a:t>, we have to call </a:t>
+            </a:r>
+            <a:r>
+              <a:rPr lang="en-GB" dirty="0" err="1"/>
+              <a:t>catkin_make</a:t>
+            </a:r>
+            <a:r>
+              <a:rPr lang="en-GB" dirty="0"/>
+              <a:t> every time we modify the source files, which is time-consuming when tuning things such as PID parameters. Storing these parameters in a config file removes this step</a:t>
+            </a:r>
+          </a:p>
+          <a:p>
+            <a:pPr marL="628650" lvl="1" indent="-171450">
               <a:buFontTx/>
               <a:buChar char="-"/>
             </a:pPr>
             <a:r>
               <a:rPr lang="en-GB" dirty="0"/>
-              <a:t>Now we should have a basic navigation algorithm, based on dead-reckoning localisation. </a:t>
+              <a:t>Multiple nodes can access the same shared parameters</a:t>
             </a:r>
           </a:p>
         </p:txBody>
@@ -1910,7 +1881,7 @@
           <a:p>
             <a:fld id="{E6263D67-EF4C-8247-91B6-64C2A295C9AC}" type="slidenum">
               <a:rPr lang="en-US" smtClean="0"/>
-              <a:t>19</a:t>
+              <a:t>17</a:t>
             </a:fld>
             <a:endParaRPr lang="en-US" dirty="0"/>
           </a:p>
@@ -1919,7 +1890,7 @@
     </p:spTree>
     <p:extLst>
       <p:ext uri="{BB962C8B-B14F-4D97-AF65-F5344CB8AC3E}">
-        <p14:creationId xmlns:p14="http://schemas.microsoft.com/office/powerpoint/2010/main" val="2690504929"/>
+        <p14:creationId xmlns:p14="http://schemas.microsoft.com/office/powerpoint/2010/main" val="3849453591"/>
       </p:ext>
     </p:extLst>
   </p:cSld>
@@ -1973,69 +1944,9 @@
           <a:bodyPr/>
           <a:lstStyle/>
           <a:p>
-            <a:pPr marL="171450" indent="-171450">
-              <a:buFontTx/>
-              <a:buChar char="-"/>
-            </a:pPr>
-            <a:r>
-              <a:rPr lang="en-GB" dirty="0"/>
-              <a:t>This setup currently only has one node, however we may require multiple</a:t>
-            </a:r>
-          </a:p>
-          <a:p>
-            <a:pPr marL="171450" indent="-171450">
-              <a:buFontTx/>
-              <a:buChar char="-"/>
-            </a:pPr>
-            <a:r>
-              <a:rPr lang="en-GB" dirty="0"/>
-              <a:t>Also, it is useful to be able to edit the PID parameters from a config file.</a:t>
-            </a:r>
-          </a:p>
-          <a:p>
-            <a:pPr marL="628650" lvl="1" indent="-171450">
-              <a:buFontTx/>
-              <a:buChar char="-"/>
-            </a:pPr>
-            <a:r>
-              <a:rPr lang="en-GB" dirty="0"/>
-              <a:t>Easier to navigate on an external PC</a:t>
-            </a:r>
-          </a:p>
-          <a:p>
-            <a:pPr marL="628650" lvl="1" indent="-171450">
-              <a:buFontTx/>
-              <a:buChar char="-"/>
-            </a:pPr>
-            <a:r>
-              <a:rPr lang="en-GB" dirty="0"/>
-              <a:t>When using </a:t>
-            </a:r>
-            <a:r>
-              <a:rPr lang="en-GB" dirty="0" err="1"/>
-              <a:t>c++</a:t>
-            </a:r>
-            <a:r>
-              <a:rPr lang="en-GB" dirty="0"/>
-              <a:t>, we have to call </a:t>
-            </a:r>
-            <a:r>
-              <a:rPr lang="en-GB" dirty="0" err="1"/>
-              <a:t>catkin_make</a:t>
-            </a:r>
-            <a:r>
-              <a:rPr lang="en-GB" dirty="0"/>
-              <a:t> every time we modify the source files, which is time-consuming when tuning things such as PID parameters. Storing these parameters in a config file removes this step</a:t>
-            </a:r>
-          </a:p>
-          <a:p>
-            <a:pPr marL="628650" lvl="1" indent="-171450">
-              <a:buFontTx/>
-              <a:buChar char="-"/>
-            </a:pPr>
-            <a:r>
-              <a:rPr lang="en-GB" dirty="0"/>
-              <a:t>Multiple nodes can access the same shared parameters</a:t>
+            <a:r>
+              <a:rPr lang="en-GB" dirty="0"/>
+              <a:t>- Now to tune the PID loop, the robot will need to be on the ground, so disconnect</a:t>
             </a:r>
           </a:p>
         </p:txBody>
@@ -2057,94 +1968,7 @@
           <a:p>
             <a:fld id="{E6263D67-EF4C-8247-91B6-64C2A295C9AC}" type="slidenum">
               <a:rPr lang="en-US" smtClean="0"/>
-              <a:t>20</a:t>
-            </a:fld>
-            <a:endParaRPr lang="en-US" dirty="0"/>
-          </a:p>
-        </p:txBody>
-      </p:sp>
-    </p:spTree>
-    <p:extLst>
-      <p:ext uri="{BB962C8B-B14F-4D97-AF65-F5344CB8AC3E}">
-        <p14:creationId xmlns:p14="http://schemas.microsoft.com/office/powerpoint/2010/main" val="3849453591"/>
-      </p:ext>
-    </p:extLst>
-  </p:cSld>
-  <p:clrMapOvr>
-    <a:masterClrMapping/>
-  </p:clrMapOvr>
-</p:notes>
-</file>
-
-<file path=ppt/notesSlides/notesSlide19.xml><?xml version="1.0" encoding="utf-8"?>
-<p:notes xmlns:a="http://schemas.openxmlformats.org/drawingml/2006/main" xmlns:r="http://schemas.openxmlformats.org/officeDocument/2006/relationships" xmlns:p="http://schemas.openxmlformats.org/presentationml/2006/main">
-  <p:cSld>
-    <p:spTree>
-      <p:nvGrpSpPr>
-        <p:cNvPr id="1" name=""/>
-        <p:cNvGrpSpPr/>
-        <p:nvPr/>
-      </p:nvGrpSpPr>
-      <p:grpSpPr>
-        <a:xfrm>
-          <a:off x="0" y="0"/>
-          <a:ext cx="0" cy="0"/>
-          <a:chOff x="0" y="0"/>
-          <a:chExt cx="0" cy="0"/>
-        </a:xfrm>
-      </p:grpSpPr>
-      <p:sp>
-        <p:nvSpPr>
-          <p:cNvPr id="2" name="Slide Image Placeholder 1"/>
-          <p:cNvSpPr>
-            <a:spLocks noGrp="1" noRot="1" noChangeAspect="1"/>
-          </p:cNvSpPr>
-          <p:nvPr>
-            <p:ph type="sldImg"/>
-          </p:nvPr>
-        </p:nvSpPr>
-        <p:spPr/>
-      </p:sp>
-      <p:sp>
-        <p:nvSpPr>
-          <p:cNvPr id="3" name="Notes Placeholder 2"/>
-          <p:cNvSpPr>
-            <a:spLocks noGrp="1"/>
-          </p:cNvSpPr>
-          <p:nvPr>
-            <p:ph type="body" idx="1"/>
-          </p:nvPr>
-        </p:nvSpPr>
-        <p:spPr/>
-        <p:txBody>
-          <a:bodyPr/>
-          <a:lstStyle/>
-          <a:p>
-            <a:r>
-              <a:rPr lang="en-GB" dirty="0"/>
-              <a:t>- Now to tune the PID loop, the robot will need to be on the ground, so disconnect</a:t>
-            </a:r>
-          </a:p>
-        </p:txBody>
-      </p:sp>
-      <p:sp>
-        <p:nvSpPr>
-          <p:cNvPr id="4" name="Slide Number Placeholder 3"/>
-          <p:cNvSpPr>
-            <a:spLocks noGrp="1"/>
-          </p:cNvSpPr>
-          <p:nvPr>
-            <p:ph type="sldNum" sz="quarter" idx="5"/>
-          </p:nvPr>
-        </p:nvSpPr>
-        <p:spPr/>
-        <p:txBody>
-          <a:bodyPr/>
-          <a:lstStyle/>
-          <a:p>
-            <a:fld id="{E6263D67-EF4C-8247-91B6-64C2A295C9AC}" type="slidenum">
-              <a:rPr lang="en-US" smtClean="0"/>
-              <a:t>21</a:t>
+              <a:t>18</a:t>
             </a:fld>
             <a:endParaRPr lang="en-US" dirty="0"/>
           </a:p>
@@ -2237,7 +2061,7 @@
     </p:spTree>
     <p:extLst>
       <p:ext uri="{BB962C8B-B14F-4D97-AF65-F5344CB8AC3E}">
-        <p14:creationId xmlns:p14="http://schemas.microsoft.com/office/powerpoint/2010/main" val="3702422131"/>
+        <p14:creationId xmlns:p14="http://schemas.microsoft.com/office/powerpoint/2010/main" val="3503940636"/>
       </p:ext>
     </p:extLst>
   </p:cSld>
@@ -2291,7 +2115,127 @@
           <a:bodyPr/>
           <a:lstStyle/>
           <a:p>
-            <a:endParaRPr lang="en-US" dirty="0"/>
+            <a:pPr marL="171450" indent="-171450">
+              <a:buFontTx/>
+              <a:buChar char="-"/>
+            </a:pPr>
+            <a:r>
+              <a:rPr lang="en-GB" dirty="0"/>
+              <a:t>Here is a basic block diagram of the </a:t>
+            </a:r>
+            <a:r>
+              <a:rPr lang="en-GB" dirty="0" err="1"/>
+              <a:t>puzzlebot</a:t>
+            </a:r>
+            <a:endParaRPr lang="en-GB" dirty="0"/>
+          </a:p>
+          <a:p>
+            <a:pPr marL="171450" marR="0" lvl="0" indent="-171450" algn="l" defTabSz="914400" rtl="0" eaLnBrk="1" fontAlgn="auto" latinLnBrk="0" hangingPunct="1">
+              <a:lnSpc>
+                <a:spcPct val="100000"/>
+              </a:lnSpc>
+              <a:spcBef>
+                <a:spcPts val="0"/>
+              </a:spcBef>
+              <a:spcAft>
+                <a:spcPts val="0"/>
+              </a:spcAft>
+              <a:buClrTx/>
+              <a:buSzTx/>
+              <a:buFontTx/>
+              <a:buChar char="-"/>
+              <a:tabLst/>
+              <a:defRPr/>
+            </a:pPr>
+            <a:r>
+              <a:rPr lang="en-GB" dirty="0"/>
+              <a:t>Power can be provided via a USB power bank or an external 5V power supply</a:t>
+            </a:r>
+          </a:p>
+          <a:p>
+            <a:pPr marL="171450" marR="0" lvl="0" indent="-171450" algn="l" defTabSz="914400" rtl="0" eaLnBrk="1" fontAlgn="auto" latinLnBrk="0" hangingPunct="1">
+              <a:lnSpc>
+                <a:spcPct val="100000"/>
+              </a:lnSpc>
+              <a:spcBef>
+                <a:spcPts val="0"/>
+              </a:spcBef>
+              <a:spcAft>
+                <a:spcPts val="0"/>
+              </a:spcAft>
+              <a:buClrTx/>
+              <a:buSzTx/>
+              <a:buFontTx/>
+              <a:buChar char="-"/>
+              <a:tabLst/>
+              <a:defRPr/>
+            </a:pPr>
+            <a:r>
+              <a:rPr lang="en-GB" dirty="0"/>
+              <a:t>High level control algorithms are programmed in the high level compute unit, and control signals can be communicated to the robot via </a:t>
+            </a:r>
+            <a:r>
+              <a:rPr lang="en-GB" dirty="0" err="1"/>
+              <a:t>WiFi</a:t>
+            </a:r>
+            <a:r>
+              <a:rPr lang="en-GB" dirty="0"/>
+              <a:t> or USB Serial</a:t>
+            </a:r>
+          </a:p>
+          <a:p>
+            <a:pPr marL="171450" marR="0" lvl="0" indent="-171450" algn="l" defTabSz="914400" rtl="0" eaLnBrk="1" fontAlgn="auto" latinLnBrk="0" hangingPunct="1">
+              <a:lnSpc>
+                <a:spcPct val="100000"/>
+              </a:lnSpc>
+              <a:spcBef>
+                <a:spcPts val="0"/>
+              </a:spcBef>
+              <a:spcAft>
+                <a:spcPts val="0"/>
+              </a:spcAft>
+              <a:buClrTx/>
+              <a:buSzTx/>
+              <a:buFontTx/>
+              <a:buChar char="-"/>
+              <a:tabLst/>
+              <a:defRPr/>
+            </a:pPr>
+            <a:r>
+              <a:rPr lang="en-GB" dirty="0"/>
+              <a:t>Low level – </a:t>
+            </a:r>
+            <a:r>
+              <a:rPr lang="en-GB" dirty="0" err="1"/>
+              <a:t>realtime</a:t>
+            </a:r>
+            <a:r>
+              <a:rPr lang="en-GB" dirty="0"/>
+              <a:t> – on the Hacker Board</a:t>
+            </a:r>
+          </a:p>
+          <a:p>
+            <a:pPr marL="171450" marR="0" lvl="0" indent="-171450" algn="l" defTabSz="914400" rtl="0" eaLnBrk="1" fontAlgn="auto" latinLnBrk="0" hangingPunct="1">
+              <a:lnSpc>
+                <a:spcPct val="100000"/>
+              </a:lnSpc>
+              <a:spcBef>
+                <a:spcPts val="0"/>
+              </a:spcBef>
+              <a:spcAft>
+                <a:spcPts val="0"/>
+              </a:spcAft>
+              <a:buClrTx/>
+              <a:buSzTx/>
+              <a:buFontTx/>
+              <a:buChar char="-"/>
+              <a:tabLst/>
+              <a:defRPr/>
+            </a:pPr>
+            <a:r>
+              <a:rPr lang="en-GB" dirty="0"/>
+              <a:t>High level – AI – Real-time not necessary</a:t>
+            </a:r>
           </a:p>
         </p:txBody>
       </p:sp>
@@ -2312,16 +2256,16 @@
           <a:p>
             <a:fld id="{E6263D67-EF4C-8247-91B6-64C2A295C9AC}" type="slidenum">
               <a:rPr lang="en-US" smtClean="0"/>
-              <a:t>5</a:t>
+              <a:t>3</a:t>
             </a:fld>
-            <a:endParaRPr lang="en-US"/>
+            <a:endParaRPr lang="en-US" dirty="0"/>
           </a:p>
         </p:txBody>
       </p:sp>
     </p:spTree>
     <p:extLst>
       <p:ext uri="{BB962C8B-B14F-4D97-AF65-F5344CB8AC3E}">
-        <p14:creationId xmlns:p14="http://schemas.microsoft.com/office/powerpoint/2010/main" val="3503940636"/>
+        <p14:creationId xmlns:p14="http://schemas.microsoft.com/office/powerpoint/2010/main" val="2272448910"/>
       </p:ext>
     </p:extLst>
   </p:cSld>
@@ -2381,120 +2325,37 @@
             </a:pPr>
             <a:r>
               <a:rPr lang="en-GB" dirty="0"/>
-              <a:t>Here is a basic block diagram of the </a:t>
-            </a:r>
-            <a:r>
-              <a:rPr lang="en-GB" dirty="0" err="1"/>
-              <a:t>puzzlebot</a:t>
-            </a:r>
-            <a:endParaRPr lang="en-GB" dirty="0"/>
-          </a:p>
-          <a:p>
-            <a:pPr marL="171450" marR="0" lvl="0" indent="-171450" algn="l" defTabSz="914400" rtl="0" eaLnBrk="1" fontAlgn="auto" latinLnBrk="0" hangingPunct="1">
-              <a:lnSpc>
-                <a:spcPct val="100000"/>
-              </a:lnSpc>
-              <a:spcBef>
-                <a:spcPts val="0"/>
-              </a:spcBef>
-              <a:spcAft>
-                <a:spcPts val="0"/>
-              </a:spcAft>
-              <a:buClrTx/>
-              <a:buSzTx/>
+              <a:t>Note: Mexico course has V1, but the new robots will be V2</a:t>
+            </a:r>
+          </a:p>
+          <a:p>
+            <a:pPr marL="171450" indent="-171450">
               <a:buFontTx/>
               <a:buChar char="-"/>
-              <a:tabLst/>
-              <a:defRPr/>
             </a:pPr>
             <a:r>
               <a:rPr lang="en-GB" dirty="0"/>
-              <a:t>Power can be provided via a USB power bank or an external 5V power supply</a:t>
-            </a:r>
-          </a:p>
-          <a:p>
-            <a:pPr marL="171450" marR="0" lvl="0" indent="-171450" algn="l" defTabSz="914400" rtl="0" eaLnBrk="1" fontAlgn="auto" latinLnBrk="0" hangingPunct="1">
-              <a:lnSpc>
-                <a:spcPct val="100000"/>
-              </a:lnSpc>
-              <a:spcBef>
-                <a:spcPts val="0"/>
-              </a:spcBef>
-              <a:spcAft>
-                <a:spcPts val="0"/>
-              </a:spcAft>
-              <a:buClrTx/>
-              <a:buSzTx/>
+              <a:t>For control of low level, low power components such as motors and encoders</a:t>
+            </a:r>
+          </a:p>
+          <a:p>
+            <a:pPr marL="171450" indent="-171450">
               <a:buFontTx/>
               <a:buChar char="-"/>
-              <a:tabLst/>
-              <a:defRPr/>
             </a:pPr>
             <a:r>
               <a:rPr lang="en-GB" dirty="0"/>
-              <a:t>High level control algorithms are programmed in the high level compute unit, and control signals can be communicated to the robot via </a:t>
-            </a:r>
-            <a:r>
-              <a:rPr lang="en-GB" dirty="0" err="1"/>
-              <a:t>WiFi</a:t>
-            </a:r>
-            <a:r>
-              <a:rPr lang="en-GB" dirty="0"/>
-              <a:t> or USB Serial</a:t>
-            </a:r>
-          </a:p>
-          <a:p>
-            <a:pPr marL="171450" marR="0" lvl="0" indent="-171450" algn="l" defTabSz="914400" rtl="0" eaLnBrk="1" fontAlgn="auto" latinLnBrk="0" hangingPunct="1">
-              <a:lnSpc>
-                <a:spcPct val="100000"/>
-              </a:lnSpc>
-              <a:spcBef>
-                <a:spcPts val="0"/>
-              </a:spcBef>
-              <a:spcAft>
-                <a:spcPts val="0"/>
-              </a:spcAft>
-              <a:buClrTx/>
-              <a:buSzTx/>
+              <a:t>DC-DC convertor provides the voltages necessary for all onboard components</a:t>
+            </a:r>
+          </a:p>
+          <a:p>
+            <a:pPr marL="171450" indent="-171450">
               <a:buFontTx/>
               <a:buChar char="-"/>
-              <a:tabLst/>
-              <a:defRPr/>
             </a:pPr>
             <a:r>
               <a:rPr lang="en-GB" dirty="0"/>
-              <a:t>Low level – </a:t>
-            </a:r>
-            <a:r>
-              <a:rPr lang="en-GB" dirty="0" err="1"/>
-              <a:t>realtime</a:t>
-            </a:r>
-            <a:r>
-              <a:rPr lang="en-GB" dirty="0"/>
-              <a:t> – on the Hacker Board</a:t>
-            </a:r>
-          </a:p>
-          <a:p>
-            <a:pPr marL="171450" marR="0" lvl="0" indent="-171450" algn="l" defTabSz="914400" rtl="0" eaLnBrk="1" fontAlgn="auto" latinLnBrk="0" hangingPunct="1">
-              <a:lnSpc>
-                <a:spcPct val="100000"/>
-              </a:lnSpc>
-              <a:spcBef>
-                <a:spcPts val="0"/>
-              </a:spcBef>
-              <a:spcAft>
-                <a:spcPts val="0"/>
-              </a:spcAft>
-              <a:buClrTx/>
-              <a:buSzTx/>
-              <a:buFontTx/>
-              <a:buChar char="-"/>
-              <a:tabLst/>
-              <a:defRPr/>
-            </a:pPr>
-            <a:r>
-              <a:rPr lang="en-GB" dirty="0"/>
-              <a:t>High level – AI – Real-time not necessary</a:t>
+              <a:t>Screen by default displays information such as motor speeds, sonar distance, and connection details</a:t>
             </a:r>
           </a:p>
         </p:txBody>
@@ -2516,7 +2377,7 @@
           <a:p>
             <a:fld id="{E6263D67-EF4C-8247-91B6-64C2A295C9AC}" type="slidenum">
               <a:rPr lang="en-US" smtClean="0"/>
-              <a:t>6</a:t>
+              <a:t>4</a:t>
             </a:fld>
             <a:endParaRPr lang="en-US" dirty="0"/>
           </a:p>
@@ -2525,7 +2386,7 @@
     </p:spTree>
     <p:extLst>
       <p:ext uri="{BB962C8B-B14F-4D97-AF65-F5344CB8AC3E}">
-        <p14:creationId xmlns:p14="http://schemas.microsoft.com/office/powerpoint/2010/main" val="2272448910"/>
+        <p14:creationId xmlns:p14="http://schemas.microsoft.com/office/powerpoint/2010/main" val="3401566601"/>
       </p:ext>
     </p:extLst>
   </p:cSld>
@@ -2585,7 +2446,35 @@
             </a:pPr>
             <a:r>
               <a:rPr lang="en-GB" dirty="0"/>
-              <a:t>Note: Mexico course has V1, but the new robots will be V2</a:t>
+              <a:t>Standalone Configuration: </a:t>
+            </a:r>
+          </a:p>
+          <a:p>
+            <a:pPr marL="628650" lvl="1" indent="-171450">
+              <a:buFontTx/>
+              <a:buChar char="-"/>
+            </a:pPr>
+            <a:r>
+              <a:rPr lang="en-GB" dirty="0"/>
+              <a:t>The Hacker Board is programmed directly, making use of the provided libraries to interface with other hardware</a:t>
+            </a:r>
+          </a:p>
+          <a:p>
+            <a:pPr marL="628650" lvl="1" indent="-171450">
+              <a:buFontTx/>
+              <a:buChar char="-"/>
+            </a:pPr>
+            <a:r>
+              <a:rPr lang="en-GB" dirty="0"/>
+              <a:t>This is done using Arduino because it is very popular, however other options (such as </a:t>
+            </a:r>
+            <a:r>
+              <a:rPr lang="en-GB" dirty="0" err="1"/>
+              <a:t>Espressif’s</a:t>
+            </a:r>
+            <a:r>
+              <a:rPr lang="en-GB" dirty="0"/>
+              <a:t> system)</a:t>
             </a:r>
           </a:p>
           <a:p>
@@ -2594,29 +2483,137 @@
               <a:buChar char="-"/>
             </a:pPr>
             <a:r>
-              <a:rPr lang="en-GB" dirty="0"/>
-              <a:t>For control of low level, low power components such as motors and encoders</a:t>
-            </a:r>
-          </a:p>
-          <a:p>
-            <a:pPr marL="171450" indent="-171450">
+              <a:rPr lang="en-GB" b="0" dirty="0"/>
+              <a:t>External-control Configuration: C</a:t>
+            </a:r>
+            <a:r>
+              <a:rPr lang="en-GB" dirty="0"/>
+              <a:t>ontrol is provided by an external computer, with communication achieved via </a:t>
+            </a:r>
+            <a:r>
+              <a:rPr lang="en-GB" dirty="0" err="1"/>
+              <a:t>WiFi</a:t>
+            </a:r>
+            <a:r>
+              <a:rPr lang="en-GB" dirty="0"/>
+              <a:t> or Serial.</a:t>
+            </a:r>
+          </a:p>
+          <a:p>
+            <a:pPr marL="628650" lvl="1" indent="-171450">
               <a:buFontTx/>
               <a:buChar char="-"/>
             </a:pPr>
             <a:r>
               <a:rPr lang="en-GB" dirty="0"/>
-              <a:t>DC-DC convertor provides the voltages necessary for all onboard components</a:t>
-            </a:r>
-          </a:p>
-          <a:p>
-            <a:pPr marL="171450" indent="-171450">
+              <a:t>All the low level interaction with peripherals is abstracted away</a:t>
+            </a:r>
+          </a:p>
+          <a:p>
+            <a:pPr marL="628650" lvl="1" indent="-171450">
               <a:buFontTx/>
               <a:buChar char="-"/>
             </a:pPr>
             <a:r>
               <a:rPr lang="en-GB" dirty="0"/>
-              <a:t>Screen by default displays information such as motor speeds, sonar distance, and connection details</a:t>
-            </a:r>
+              <a:t>Control algorithms can therefore be tested and implemented with ease</a:t>
+            </a:r>
+          </a:p>
+          <a:p>
+            <a:pPr marL="628650" marR="0" lvl="1" indent="-171450" algn="l" defTabSz="914400" rtl="0" eaLnBrk="1" fontAlgn="auto" latinLnBrk="0" hangingPunct="1">
+              <a:lnSpc>
+                <a:spcPct val="100000"/>
+              </a:lnSpc>
+              <a:spcBef>
+                <a:spcPts val="0"/>
+              </a:spcBef>
+              <a:spcAft>
+                <a:spcPts val="0"/>
+              </a:spcAft>
+              <a:buClrTx/>
+              <a:buSzTx/>
+              <a:buFontTx/>
+              <a:buChar char="-"/>
+              <a:tabLst/>
+              <a:defRPr/>
+            </a:pPr>
+            <a:r>
+              <a:rPr lang="en-US" dirty="0"/>
+              <a:t>Simple controls can be sent from a webpage, and more complex algorithms can be implemented in MATLAB or </a:t>
+            </a:r>
+            <a:r>
+              <a:rPr lang="en-US" dirty="0" err="1"/>
+              <a:t>labView</a:t>
+            </a:r>
+            <a:r>
+              <a:rPr lang="en-US" dirty="0"/>
+              <a:t> (python coming soon). MATLAB (and soon python) feature simulations of the </a:t>
+            </a:r>
+            <a:r>
+              <a:rPr lang="en-US" dirty="0" err="1"/>
+              <a:t>puzzlebot</a:t>
+            </a:r>
+            <a:r>
+              <a:rPr lang="en-US" dirty="0"/>
+              <a:t>, enabling algorithms to be tested before being implemented on the real robot. </a:t>
+            </a:r>
+          </a:p>
+          <a:p>
+            <a:pPr marL="171450" marR="0" lvl="0" indent="-171450" algn="l" defTabSz="914400" rtl="0" eaLnBrk="1" fontAlgn="auto" latinLnBrk="0" hangingPunct="1">
+              <a:lnSpc>
+                <a:spcPct val="100000"/>
+              </a:lnSpc>
+              <a:spcBef>
+                <a:spcPts val="0"/>
+              </a:spcBef>
+              <a:spcAft>
+                <a:spcPts val="0"/>
+              </a:spcAft>
+              <a:buClrTx/>
+              <a:buSzTx/>
+              <a:buFontTx/>
+              <a:buChar char="-"/>
+              <a:tabLst/>
+              <a:defRPr/>
+            </a:pPr>
+            <a:r>
+              <a:rPr lang="en-US" dirty="0"/>
+              <a:t>In this course, the external compute unit will be the NVIDIA Jetson Nano. Combined with the raspberry pi camera, this setup enables basic control such as line following along with the use of AI for object recognition and identification. </a:t>
+            </a:r>
+          </a:p>
+          <a:p>
+            <a:pPr marL="171450" marR="0" lvl="0" indent="-171450" algn="l" defTabSz="914400" rtl="0" eaLnBrk="1" fontAlgn="auto" latinLnBrk="0" hangingPunct="1">
+              <a:lnSpc>
+                <a:spcPct val="100000"/>
+              </a:lnSpc>
+              <a:spcBef>
+                <a:spcPts val="0"/>
+              </a:spcBef>
+              <a:spcAft>
+                <a:spcPts val="0"/>
+              </a:spcAft>
+              <a:buClrTx/>
+              <a:buSzTx/>
+              <a:buFontTx/>
+              <a:buChar char="-"/>
+              <a:tabLst/>
+              <a:defRPr/>
+            </a:pPr>
+            <a:r>
+              <a:rPr lang="en-US" dirty="0"/>
+              <a:t>As well as communicating with the </a:t>
+            </a:r>
+            <a:r>
+              <a:rPr lang="en-US" dirty="0" err="1"/>
+              <a:t>hackerboard</a:t>
+            </a:r>
+            <a:r>
+              <a:rPr lang="en-US" dirty="0"/>
+              <a:t> using ROS, the jetson can communicate with an external PC to receive commands, and could be configured to communicate with other robots for multi-agent control</a:t>
+            </a:r>
+          </a:p>
+          <a:p>
+            <a:endParaRPr lang="en-US" dirty="0"/>
           </a:p>
         </p:txBody>
       </p:sp>
@@ -2637,16 +2634,16 @@
           <a:p>
             <a:fld id="{E6263D67-EF4C-8247-91B6-64C2A295C9AC}" type="slidenum">
               <a:rPr lang="en-US" smtClean="0"/>
-              <a:t>7</a:t>
+              <a:t>5</a:t>
             </a:fld>
-            <a:endParaRPr lang="en-US" dirty="0"/>
+            <a:endParaRPr lang="en-US"/>
           </a:p>
         </p:txBody>
       </p:sp>
     </p:spTree>
     <p:extLst>
       <p:ext uri="{BB962C8B-B14F-4D97-AF65-F5344CB8AC3E}">
-        <p14:creationId xmlns:p14="http://schemas.microsoft.com/office/powerpoint/2010/main" val="3401566601"/>
+        <p14:creationId xmlns:p14="http://schemas.microsoft.com/office/powerpoint/2010/main" val="3482294742"/>
       </p:ext>
     </p:extLst>
   </p:cSld>
@@ -2706,7 +2703,17 @@
             </a:pPr>
             <a:r>
               <a:rPr lang="en-GB" dirty="0"/>
-              <a:t>Standalone Configuration: </a:t>
+              <a:t>Explain functionality of webpage, how to control wheels and read speed, that it can be used to test the hardware and debug problems</a:t>
+            </a:r>
+          </a:p>
+          <a:p>
+            <a:pPr marL="171450" indent="-171450">
+              <a:buFontTx/>
+              <a:buChar char="-"/>
+            </a:pPr>
+            <a:r>
+              <a:rPr lang="en-GB" dirty="0"/>
+              <a:t>Mini Task</a:t>
             </a:r>
           </a:p>
           <a:p>
@@ -2716,7 +2723,7 @@
             </a:pPr>
             <a:r>
               <a:rPr lang="en-GB" dirty="0"/>
-              <a:t>The Hacker Board is programmed directly, making use of the provided libraries to interface with other hardware</a:t>
+              <a:t>Navigate to the webpage</a:t>
             </a:r>
           </a:p>
           <a:p>
@@ -2726,37 +2733,7 @@
             </a:pPr>
             <a:r>
               <a:rPr lang="en-GB" dirty="0"/>
-              <a:t>This is done using Arduino because it is very popular, however other options (such as </a:t>
-            </a:r>
-            <a:r>
-              <a:rPr lang="en-GB" dirty="0" err="1"/>
-              <a:t>Espressif’s</a:t>
-            </a:r>
-            <a:r>
-              <a:rPr lang="en-GB" dirty="0"/>
-              <a:t> system)</a:t>
-            </a:r>
-          </a:p>
-          <a:p>
-            <a:pPr marL="171450" indent="-171450">
-              <a:buFontTx/>
-              <a:buChar char="-"/>
-            </a:pPr>
-            <a:r>
-              <a:rPr lang="en-GB" b="0" dirty="0"/>
-              <a:t>External-control Configuration: C</a:t>
-            </a:r>
-            <a:r>
-              <a:rPr lang="en-GB" dirty="0"/>
-              <a:t>ontrol is provided by an external computer, with communication achieved via </a:t>
-            </a:r>
-            <a:r>
-              <a:rPr lang="en-GB" dirty="0" err="1"/>
-              <a:t>WiFi</a:t>
-            </a:r>
-            <a:r>
-              <a:rPr lang="en-GB" dirty="0"/>
-              <a:t> or Serial.</a:t>
+              <a:t>Read the speed of the wheels (by manually rotating them)</a:t>
             </a:r>
           </a:p>
           <a:p>
@@ -2766,114 +2743,18 @@
             </a:pPr>
             <a:r>
               <a:rPr lang="en-GB" dirty="0"/>
-              <a:t>All the low level interaction with peripherals is abstracted away</a:t>
-            </a:r>
-          </a:p>
-          <a:p>
-            <a:pPr marL="628650" lvl="1" indent="-171450">
+              <a:t>Set the speed of the wheels</a:t>
+            </a:r>
+          </a:p>
+          <a:p>
+            <a:pPr marL="171450" lvl="0" indent="-171450">
               <a:buFontTx/>
               <a:buChar char="-"/>
             </a:pPr>
             <a:r>
               <a:rPr lang="en-GB" dirty="0"/>
-              <a:t>Control algorithms can therefore be tested and implemented with ease</a:t>
-            </a:r>
-          </a:p>
-          <a:p>
-            <a:pPr marL="628650" marR="0" lvl="1" indent="-171450" algn="l" defTabSz="914400" rtl="0" eaLnBrk="1" fontAlgn="auto" latinLnBrk="0" hangingPunct="1">
-              <a:lnSpc>
-                <a:spcPct val="100000"/>
-              </a:lnSpc>
-              <a:spcBef>
-                <a:spcPts val="0"/>
-              </a:spcBef>
-              <a:spcAft>
-                <a:spcPts val="0"/>
-              </a:spcAft>
-              <a:buClrTx/>
-              <a:buSzTx/>
-              <a:buFontTx/>
-              <a:buChar char="-"/>
-              <a:tabLst/>
-              <a:defRPr/>
-            </a:pPr>
-            <a:r>
-              <a:rPr lang="en-US" dirty="0"/>
-              <a:t>Simple controls can be sent from a webpage, and more complex algorithms can be implemented in MATLAB or </a:t>
-            </a:r>
-            <a:r>
-              <a:rPr lang="en-US" dirty="0" err="1"/>
-              <a:t>labView</a:t>
-            </a:r>
-            <a:r>
-              <a:rPr lang="en-US" dirty="0"/>
-              <a:t> (python coming soon). MATLAB (and soon python) feature simulations of the </a:t>
-            </a:r>
-            <a:r>
-              <a:rPr lang="en-US" dirty="0" err="1"/>
-              <a:t>puzzlebot</a:t>
-            </a:r>
-            <a:r>
-              <a:rPr lang="en-US" dirty="0"/>
-              <a:t>, enabling algorithms to be tested before being implemented on the real robot. </a:t>
-            </a:r>
-          </a:p>
-          <a:p>
-            <a:pPr marL="171450" marR="0" lvl="0" indent="-171450" algn="l" defTabSz="914400" rtl="0" eaLnBrk="1" fontAlgn="auto" latinLnBrk="0" hangingPunct="1">
-              <a:lnSpc>
-                <a:spcPct val="100000"/>
-              </a:lnSpc>
-              <a:spcBef>
-                <a:spcPts val="0"/>
-              </a:spcBef>
-              <a:spcAft>
-                <a:spcPts val="0"/>
-              </a:spcAft>
-              <a:buClrTx/>
-              <a:buSzTx/>
-              <a:buFontTx/>
-              <a:buChar char="-"/>
-              <a:tabLst/>
-              <a:defRPr/>
-            </a:pPr>
-            <a:r>
-              <a:rPr lang="en-US" dirty="0"/>
-              <a:t>In this course, the external compute unit will be the NVIDIA Jetson Nano. Combined with the raspberry pi camera, this setup enables basic control such as line following along with the use of AI for object recognition and identification. </a:t>
-            </a:r>
-          </a:p>
-          <a:p>
-            <a:pPr marL="171450" marR="0" lvl="0" indent="-171450" algn="l" defTabSz="914400" rtl="0" eaLnBrk="1" fontAlgn="auto" latinLnBrk="0" hangingPunct="1">
-              <a:lnSpc>
-                <a:spcPct val="100000"/>
-              </a:lnSpc>
-              <a:spcBef>
-                <a:spcPts val="0"/>
-              </a:spcBef>
-              <a:spcAft>
-                <a:spcPts val="0"/>
-              </a:spcAft>
-              <a:buClrTx/>
-              <a:buSzTx/>
-              <a:buFontTx/>
-              <a:buChar char="-"/>
-              <a:tabLst/>
-              <a:defRPr/>
-            </a:pPr>
-            <a:r>
-              <a:rPr lang="en-US" dirty="0"/>
-              <a:t>As well as communicating with the </a:t>
-            </a:r>
-            <a:r>
-              <a:rPr lang="en-US" dirty="0" err="1"/>
-              <a:t>hackerboard</a:t>
-            </a:r>
-            <a:r>
-              <a:rPr lang="en-US" dirty="0"/>
-              <a:t> using ROS, the jetson can communicate with an external PC to receive commands, and could be configured to communicate with other robots for multi-agent control</a:t>
-            </a:r>
-          </a:p>
-          <a:p>
-            <a:endParaRPr lang="en-US" dirty="0"/>
+              <a:t>Robot Should be lifted off the ground</a:t>
+            </a:r>
           </a:p>
         </p:txBody>
       </p:sp>
@@ -2894,7 +2775,7 @@
           <a:p>
             <a:fld id="{E6263D67-EF4C-8247-91B6-64C2A295C9AC}" type="slidenum">
               <a:rPr lang="en-US" smtClean="0"/>
-              <a:t>8</a:t>
+              <a:t>6</a:t>
             </a:fld>
             <a:endParaRPr lang="en-US"/>
           </a:p>
@@ -2903,7 +2784,7 @@
     </p:spTree>
     <p:extLst>
       <p:ext uri="{BB962C8B-B14F-4D97-AF65-F5344CB8AC3E}">
-        <p14:creationId xmlns:p14="http://schemas.microsoft.com/office/powerpoint/2010/main" val="3482294742"/>
+        <p14:creationId xmlns:p14="http://schemas.microsoft.com/office/powerpoint/2010/main" val="3203573374"/>
       </p:ext>
     </p:extLst>
   </p:cSld>
@@ -2963,7 +2844,7 @@
             </a:pPr>
             <a:r>
               <a:rPr lang="en-GB" dirty="0"/>
-              <a:t>Explain functionality of webpage, how to control wheels and read speed, that it can be used to test the hardware and debug problems</a:t>
+              <a:t>This file allows the parameters of the firmware to be set by the user.</a:t>
             </a:r>
           </a:p>
           <a:p>
@@ -2973,7 +2854,7 @@
             </a:pPr>
             <a:r>
               <a:rPr lang="en-GB" dirty="0"/>
-              <a:t>Mini Task</a:t>
+              <a:t>3 Control modes </a:t>
             </a:r>
           </a:p>
           <a:p>
@@ -2983,7 +2864,15 @@
             </a:pPr>
             <a:r>
               <a:rPr lang="en-GB" dirty="0"/>
-              <a:t>Navigate to the webpage</a:t>
+              <a:t>1 – Send v and </a:t>
+            </a:r>
+            <a:r>
+              <a:rPr lang="el-GR" dirty="0"/>
+              <a:t>ω</a:t>
+            </a:r>
+            <a:r>
+              <a:rPr lang="en-GB" dirty="0"/>
+              <a:t>, the linear and angular velocities of the whole robot</a:t>
             </a:r>
           </a:p>
           <a:p>
@@ -2993,7 +2882,23 @@
             </a:pPr>
             <a:r>
               <a:rPr lang="en-GB" dirty="0"/>
-              <a:t>Read the speed of the wheels (by manually rotating them)</a:t>
+              <a:t>2 - Send </a:t>
+            </a:r>
+            <a:r>
+              <a:rPr lang="el-GR" dirty="0"/>
+              <a:t>ω</a:t>
+            </a:r>
+            <a:r>
+              <a:rPr lang="en-GB" dirty="0"/>
+              <a:t>r and </a:t>
+            </a:r>
+            <a:r>
+              <a:rPr lang="el-GR" dirty="0"/>
+              <a:t>ω</a:t>
+            </a:r>
+            <a:r>
+              <a:rPr lang="en-GB" dirty="0"/>
+              <a:t>l, the velocities of the left and right wheels</a:t>
             </a:r>
           </a:p>
           <a:p>
@@ -3003,7 +2908,91 @@
             </a:pPr>
             <a:r>
               <a:rPr lang="en-GB" dirty="0"/>
-              <a:t>Set the speed of the wheels</a:t>
+              <a:t>3 – Send </a:t>
+            </a:r>
+            <a:r>
+              <a:rPr lang="en-GB" dirty="0" err="1"/>
+              <a:t>pwmr</a:t>
+            </a:r>
+            <a:r>
+              <a:rPr lang="en-GB" dirty="0"/>
+              <a:t> and </a:t>
+            </a:r>
+            <a:r>
+              <a:rPr lang="en-GB" dirty="0" err="1"/>
+              <a:t>pwml</a:t>
+            </a:r>
+            <a:r>
+              <a:rPr lang="en-GB" dirty="0"/>
+              <a:t>, the </a:t>
+            </a:r>
+            <a:r>
+              <a:rPr lang="en-GB" dirty="0" err="1"/>
+              <a:t>pwm</a:t>
+            </a:r>
+            <a:r>
+              <a:rPr lang="en-GB" dirty="0"/>
+              <a:t> values for the left and right motors (between 0 and 1)</a:t>
+            </a:r>
+          </a:p>
+          <a:p>
+            <a:pPr marL="171450" indent="-171450">
+              <a:buFontTx/>
+              <a:buChar char="-"/>
+            </a:pPr>
+            <a:r>
+              <a:rPr lang="en-GB" dirty="0"/>
+              <a:t>Other key Parameters:</a:t>
+            </a:r>
+          </a:p>
+          <a:p>
+            <a:pPr marL="628650" lvl="1" indent="-171450">
+              <a:buFontTx/>
+              <a:buChar char="-"/>
+            </a:pPr>
+            <a:r>
+              <a:rPr lang="en-GB" dirty="0"/>
+              <a:t>Robot geometry</a:t>
+            </a:r>
+          </a:p>
+          <a:p>
+            <a:pPr marL="628650" lvl="1" indent="-171450">
+              <a:buFontTx/>
+              <a:buChar char="-"/>
+            </a:pPr>
+            <a:r>
+              <a:rPr lang="en-GB" dirty="0"/>
+              <a:t>Pins for hardware (do not need changing except between hacker-board updates)</a:t>
+            </a:r>
+          </a:p>
+          <a:p>
+            <a:pPr marL="628650" lvl="1" indent="-171450">
+              <a:buFontTx/>
+              <a:buChar char="-"/>
+            </a:pPr>
+            <a:r>
+              <a:rPr lang="en-GB" dirty="0"/>
+              <a:t>PID constants for the internal controllers (explain that control modes 1 and 2 use an internal PID controller to set the PWM sent to the motor)</a:t>
+            </a:r>
+          </a:p>
+          <a:p>
+            <a:pPr marL="628650" lvl="1" indent="-171450">
+              <a:buFontTx/>
+              <a:buChar char="-"/>
+            </a:pPr>
+            <a:r>
+              <a:rPr lang="en-GB" dirty="0"/>
+              <a:t>Webpage parameters </a:t>
+            </a:r>
+          </a:p>
+          <a:p>
+            <a:pPr marL="628650" lvl="1" indent="-171450">
+              <a:buFontTx/>
+              <a:buChar char="-"/>
+            </a:pPr>
+            <a:r>
+              <a:rPr lang="en-GB" dirty="0"/>
+              <a:t>Activation values for hardware and software features (such as ROS/sonar/Lidar/etc)</a:t>
             </a:r>
           </a:p>
           <a:p>
@@ -3013,8 +3002,85 @@
             </a:pPr>
             <a:r>
               <a:rPr lang="en-GB" dirty="0"/>
-              <a:t>Robot Should be lifted off the ground</a:t>
-            </a:r>
+              <a:t>For the change to take effect, click “upload to robot”, and then “restart robot”</a:t>
+            </a:r>
+          </a:p>
+          <a:p>
+            <a:pPr marL="171450" lvl="0" indent="-171450">
+              <a:buFontTx/>
+              <a:buChar char="-"/>
+            </a:pPr>
+            <a:r>
+              <a:rPr lang="en-GB" dirty="0"/>
+              <a:t>For today’s activity:</a:t>
+            </a:r>
+          </a:p>
+          <a:p>
+            <a:pPr marL="628650" lvl="1" indent="-171450">
+              <a:buFontTx/>
+              <a:buChar char="-"/>
+            </a:pPr>
+            <a:r>
+              <a:rPr lang="en-GB" dirty="0"/>
+              <a:t>Ensure the control input is set to type 2</a:t>
+            </a:r>
+          </a:p>
+          <a:p>
+            <a:pPr marL="628650" lvl="1" indent="-171450">
+              <a:buFontTx/>
+              <a:buChar char="-"/>
+            </a:pPr>
+            <a:r>
+              <a:rPr lang="en-GB" dirty="0"/>
+              <a:t>Return to the main webpage and check if the controllers are working correctly by commanding the wheels to move. </a:t>
+            </a:r>
+          </a:p>
+          <a:p>
+            <a:pPr marL="628650" lvl="1" indent="-171450">
+              <a:buFontTx/>
+              <a:buChar char="-"/>
+            </a:pPr>
+            <a:r>
+              <a:rPr lang="en-GB" dirty="0"/>
+              <a:t>If the wheels immediately accelerate to full speed, there is a sign issue. Try changing the sign of the motor, encoder, or both.</a:t>
+            </a:r>
+          </a:p>
+          <a:p>
+            <a:pPr marL="628650" lvl="1" indent="-171450">
+              <a:buFontTx/>
+              <a:buChar char="-"/>
+            </a:pPr>
+            <a:r>
+              <a:rPr lang="en-GB" dirty="0"/>
+              <a:t>Now set the control input to type 1</a:t>
+            </a:r>
+          </a:p>
+          <a:p>
+            <a:pPr marL="628650" lvl="1" indent="-171450">
+              <a:buFontTx/>
+              <a:buChar char="-"/>
+            </a:pPr>
+            <a:r>
+              <a:rPr lang="en-GB" dirty="0"/>
+              <a:t>Ensure the wheelbase is set to 0.19</a:t>
+            </a:r>
+          </a:p>
+          <a:p>
+            <a:pPr marL="628650" lvl="1" indent="-171450">
+              <a:buFontTx/>
+              <a:buChar char="-"/>
+            </a:pPr>
+            <a:r>
+              <a:rPr lang="en-GB" dirty="0"/>
+              <a:t>Ensure that ROS is turned on</a:t>
+            </a:r>
+          </a:p>
+          <a:p>
+            <a:pPr marL="628650" lvl="1" indent="-171450">
+              <a:buFontTx/>
+              <a:buChar char="-"/>
+            </a:pPr>
+            <a:endParaRPr lang="en-GB" dirty="0"/>
           </a:p>
         </p:txBody>
       </p:sp>
@@ -3035,7 +3101,7 @@
           <a:p>
             <a:fld id="{E6263D67-EF4C-8247-91B6-64C2A295C9AC}" type="slidenum">
               <a:rPr lang="en-US" smtClean="0"/>
-              <a:t>9</a:t>
+              <a:t>7</a:t>
             </a:fld>
             <a:endParaRPr lang="en-US"/>
           </a:p>
@@ -3044,7 +3110,7 @@
     </p:spTree>
     <p:extLst>
       <p:ext uri="{BB962C8B-B14F-4D97-AF65-F5344CB8AC3E}">
-        <p14:creationId xmlns:p14="http://schemas.microsoft.com/office/powerpoint/2010/main" val="3203573374"/>
+        <p14:creationId xmlns:p14="http://schemas.microsoft.com/office/powerpoint/2010/main" val="1413866077"/>
       </p:ext>
     </p:extLst>
   </p:cSld>
@@ -3104,8 +3170,13 @@
             </a:pPr>
             <a:r>
               <a:rPr lang="en-GB" dirty="0"/>
-              <a:t>This file allows the parameters of the firmware to be set by the user.</a:t>
-            </a:r>
+              <a:t>Designed for AI applications, but also featuring hardware and software which enables easy communication with the </a:t>
+            </a:r>
+            <a:r>
+              <a:rPr lang="en-GB" dirty="0" err="1"/>
+              <a:t>puzzlebot</a:t>
+            </a:r>
+            <a:endParaRPr lang="en-GB" dirty="0"/>
           </a:p>
           <a:p>
             <a:pPr marL="171450" indent="-171450">
@@ -3114,85 +3185,7 @@
             </a:pPr>
             <a:r>
               <a:rPr lang="en-GB" dirty="0"/>
-              <a:t>3 Control modes </a:t>
-            </a:r>
-          </a:p>
-          <a:p>
-            <a:pPr marL="628650" lvl="1" indent="-171450">
-              <a:buFontTx/>
-              <a:buChar char="-"/>
-            </a:pPr>
-            <a:r>
-              <a:rPr lang="en-GB" dirty="0"/>
-              <a:t>1 – Send v and </a:t>
-            </a:r>
-            <a:r>
-              <a:rPr lang="el-GR" dirty="0"/>
-              <a:t>ω</a:t>
-            </a:r>
-            <a:r>
-              <a:rPr lang="en-GB" dirty="0"/>
-              <a:t>, the linear and angular velocities of the whole robot</a:t>
-            </a:r>
-          </a:p>
-          <a:p>
-            <a:pPr marL="628650" lvl="1" indent="-171450">
-              <a:buFontTx/>
-              <a:buChar char="-"/>
-            </a:pPr>
-            <a:r>
-              <a:rPr lang="en-GB" dirty="0"/>
-              <a:t>2 - Send </a:t>
-            </a:r>
-            <a:r>
-              <a:rPr lang="el-GR" dirty="0"/>
-              <a:t>ω</a:t>
-            </a:r>
-            <a:r>
-              <a:rPr lang="en-GB" dirty="0"/>
-              <a:t>r and </a:t>
-            </a:r>
-            <a:r>
-              <a:rPr lang="el-GR" dirty="0"/>
-              <a:t>ω</a:t>
-            </a:r>
-            <a:r>
-              <a:rPr lang="en-GB" dirty="0"/>
-              <a:t>l, the velocities of the left and right wheels</a:t>
-            </a:r>
-          </a:p>
-          <a:p>
-            <a:pPr marL="628650" lvl="1" indent="-171450">
-              <a:buFontTx/>
-              <a:buChar char="-"/>
-            </a:pPr>
-            <a:r>
-              <a:rPr lang="en-GB" dirty="0"/>
-              <a:t>3 – Send </a:t>
-            </a:r>
-            <a:r>
-              <a:rPr lang="en-GB" dirty="0" err="1"/>
-              <a:t>pwmr</a:t>
-            </a:r>
-            <a:r>
-              <a:rPr lang="en-GB" dirty="0"/>
-              <a:t> and </a:t>
-            </a:r>
-            <a:r>
-              <a:rPr lang="en-GB" dirty="0" err="1"/>
-              <a:t>pwml</a:t>
-            </a:r>
-            <a:r>
-              <a:rPr lang="en-GB" dirty="0"/>
-              <a:t>, the </a:t>
-            </a:r>
-            <a:r>
-              <a:rPr lang="en-GB" dirty="0" err="1"/>
-              <a:t>pwm</a:t>
-            </a:r>
-            <a:r>
-              <a:rPr lang="en-GB" dirty="0"/>
-              <a:t> values for the left and right motors (between 0 and 1)</a:t>
+              <a:t>It can be interfaced with like a PC for the writing and debugging of code. Once the code is written, it commands to run the code can be sent remotely such that the robot can move freely</a:t>
             </a:r>
           </a:p>
           <a:p>
@@ -3202,141 +3195,21 @@
             </a:pPr>
             <a:r>
               <a:rPr lang="en-GB" dirty="0"/>
-              <a:t>Other key Parameters:</a:t>
-            </a:r>
-          </a:p>
-          <a:p>
-            <a:pPr marL="628650" lvl="1" indent="-171450">
+              <a:t>The operating system is an NVIDIA-modified version of ubuntu 18.04, which comes with a selection of useful tools for robotics and AI, such as OpenCV, pre-installed</a:t>
+            </a:r>
+          </a:p>
+          <a:p>
+            <a:pPr marL="171450" indent="-171450">
               <a:buFontTx/>
               <a:buChar char="-"/>
             </a:pPr>
             <a:r>
               <a:rPr lang="en-GB" dirty="0"/>
-              <a:t>Robot geometry</a:t>
-            </a:r>
-          </a:p>
-          <a:p>
-            <a:pPr marL="628650" lvl="1" indent="-171450">
-              <a:buFontTx/>
-              <a:buChar char="-"/>
-            </a:pPr>
-            <a:r>
-              <a:rPr lang="en-GB" dirty="0"/>
-              <a:t>Pins for hardware (do not need changing except between hacker-board updates)</a:t>
-            </a:r>
-          </a:p>
-          <a:p>
-            <a:pPr marL="628650" lvl="1" indent="-171450">
-              <a:buFontTx/>
-              <a:buChar char="-"/>
-            </a:pPr>
-            <a:r>
-              <a:rPr lang="en-GB" dirty="0"/>
-              <a:t>PID constants for the internal controllers (explain that control modes 1 and 2 use an internal PID controller to set the PWM sent to the motor)</a:t>
-            </a:r>
-          </a:p>
-          <a:p>
-            <a:pPr marL="628650" lvl="1" indent="-171450">
-              <a:buFontTx/>
-              <a:buChar char="-"/>
-            </a:pPr>
-            <a:r>
-              <a:rPr lang="en-GB" dirty="0"/>
-              <a:t>Webpage parameters </a:t>
-            </a:r>
-          </a:p>
-          <a:p>
-            <a:pPr marL="628650" lvl="1" indent="-171450">
-              <a:buFontTx/>
-              <a:buChar char="-"/>
-            </a:pPr>
-            <a:r>
-              <a:rPr lang="en-GB" dirty="0"/>
-              <a:t>Activation values for hardware and software features (such as ROS/sonar/Lidar/etc)</a:t>
-            </a:r>
-          </a:p>
-          <a:p>
-            <a:pPr marL="171450" lvl="0" indent="-171450">
-              <a:buFontTx/>
-              <a:buChar char="-"/>
-            </a:pPr>
-            <a:r>
-              <a:rPr lang="en-GB" dirty="0"/>
-              <a:t>For the change to take effect, click “upload to robot”, and then “restart robot”</a:t>
-            </a:r>
-          </a:p>
-          <a:p>
-            <a:pPr marL="171450" lvl="0" indent="-171450">
-              <a:buFontTx/>
-              <a:buChar char="-"/>
-            </a:pPr>
-            <a:r>
-              <a:rPr lang="en-GB" dirty="0"/>
-              <a:t>For today’s activity:</a:t>
-            </a:r>
-          </a:p>
-          <a:p>
-            <a:pPr marL="628650" lvl="1" indent="-171450">
-              <a:buFontTx/>
-              <a:buChar char="-"/>
-            </a:pPr>
-            <a:r>
-              <a:rPr lang="en-GB" dirty="0"/>
-              <a:t>Ensure the control input is set to type 2</a:t>
-            </a:r>
-          </a:p>
-          <a:p>
-            <a:pPr marL="628650" lvl="1" indent="-171450">
-              <a:buFontTx/>
-              <a:buChar char="-"/>
-            </a:pPr>
-            <a:r>
-              <a:rPr lang="en-GB" dirty="0"/>
-              <a:t>Return to the main webpage and check if the controllers are working correctly by commanding the wheels to move. </a:t>
-            </a:r>
-          </a:p>
-          <a:p>
-            <a:pPr marL="628650" lvl="1" indent="-171450">
-              <a:buFontTx/>
-              <a:buChar char="-"/>
-            </a:pPr>
-            <a:r>
-              <a:rPr lang="en-GB" dirty="0"/>
-              <a:t>If the wheels immediately accelerate to full speed, there is a sign issue. Try changing the sign of the motor, encoder, or both.</a:t>
-            </a:r>
-          </a:p>
-          <a:p>
-            <a:pPr marL="628650" lvl="1" indent="-171450">
-              <a:buFontTx/>
-              <a:buChar char="-"/>
-            </a:pPr>
-            <a:r>
-              <a:rPr lang="en-GB" dirty="0"/>
-              <a:t>Now set the control input to type 1</a:t>
-            </a:r>
-          </a:p>
-          <a:p>
-            <a:pPr marL="628650" lvl="1" indent="-171450">
-              <a:buFontTx/>
-              <a:buChar char="-"/>
-            </a:pPr>
-            <a:r>
-              <a:rPr lang="en-GB" dirty="0"/>
-              <a:t>Ensure the wheelbase is set to 0.19</a:t>
-            </a:r>
-          </a:p>
-          <a:p>
-            <a:pPr marL="628650" lvl="1" indent="-171450">
-              <a:buFontTx/>
-              <a:buChar char="-"/>
-            </a:pPr>
-            <a:r>
-              <a:rPr lang="en-GB" dirty="0"/>
-              <a:t>Ensure that ROS is turned on</a:t>
-            </a:r>
-          </a:p>
-          <a:p>
-            <a:pPr marL="628650" lvl="1" indent="-171450">
+              <a:t>The OS is loaded onto an SD card from an external computer, which is then inserted into the Jetson</a:t>
+            </a:r>
+          </a:p>
+          <a:p>
+            <a:pPr marL="171450" indent="-171450">
               <a:buFontTx/>
               <a:buChar char="-"/>
             </a:pPr>
@@ -3361,16 +3234,16 @@
           <a:p>
             <a:fld id="{E6263D67-EF4C-8247-91B6-64C2A295C9AC}" type="slidenum">
               <a:rPr lang="en-US" smtClean="0"/>
-              <a:t>10</a:t>
+              <a:t>8</a:t>
             </a:fld>
-            <a:endParaRPr lang="en-US"/>
+            <a:endParaRPr lang="en-US" dirty="0"/>
           </a:p>
         </p:txBody>
       </p:sp>
     </p:spTree>
     <p:extLst>
       <p:ext uri="{BB962C8B-B14F-4D97-AF65-F5344CB8AC3E}">
-        <p14:creationId xmlns:p14="http://schemas.microsoft.com/office/powerpoint/2010/main" val="1413866077"/>
+        <p14:creationId xmlns:p14="http://schemas.microsoft.com/office/powerpoint/2010/main" val="490979999"/>
       </p:ext>
     </p:extLst>
   </p:cSld>
@@ -3424,19 +3297,76 @@
           <a:bodyPr/>
           <a:lstStyle/>
           <a:p>
+            <a:r>
+              <a:rPr lang="en-GB" dirty="0"/>
+              <a:t>The </a:t>
+            </a:r>
+            <a:r>
+              <a:rPr lang="en-GB" dirty="0" err="1"/>
+              <a:t>Rosserial</a:t>
+            </a:r>
+            <a:r>
+              <a:rPr lang="en-GB" dirty="0"/>
+              <a:t> package enables USB communication with the hacker board. When </a:t>
+            </a:r>
+            <a:r>
+              <a:rPr lang="en-GB" dirty="0" err="1"/>
+              <a:t>rosserial</a:t>
+            </a:r>
+            <a:r>
+              <a:rPr lang="en-GB" dirty="0"/>
+              <a:t> is activated, a set of topics appear to the Jetson which enable it to control the hacker board. </a:t>
+            </a:r>
+          </a:p>
+          <a:p>
+            <a:r>
+              <a:rPr lang="en-GB" dirty="0"/>
+              <a:t>The jetson is setup by flashing an OS image to an SD card, and then inserting it. Full instructions linked here.</a:t>
+            </a:r>
+          </a:p>
+          <a:p>
+            <a:r>
+              <a:rPr lang="en-GB" dirty="0"/>
+              <a:t>However, the Jetson does not come with ROS, so there are three methods to install it and configure it for use on the </a:t>
+            </a:r>
+            <a:r>
+              <a:rPr lang="en-GB" dirty="0" err="1"/>
+              <a:t>puzzlebot</a:t>
+            </a:r>
+            <a:r>
+              <a:rPr lang="en-GB" dirty="0"/>
+              <a:t>.</a:t>
+            </a:r>
+          </a:p>
+          <a:p>
             <a:pPr marL="171450" indent="-171450">
               <a:buFontTx/>
               <a:buChar char="-"/>
             </a:pPr>
             <a:r>
               <a:rPr lang="en-GB" dirty="0"/>
-              <a:t>Designed for AI applications, but also featuring hardware and software which enables easy communication with the </a:t>
-            </a:r>
-            <a:r>
-              <a:rPr lang="en-GB" dirty="0" err="1"/>
-              <a:t>puzzlebot</a:t>
-            </a:r>
-            <a:endParaRPr lang="en-GB" dirty="0"/>
+              <a:t>Firstly, a pre-created image is available. This can be flashed onto the jetson using the same method as the standard image.</a:t>
+            </a:r>
+          </a:p>
+          <a:p>
+            <a:pPr marL="628650" lvl="1" indent="-171450">
+              <a:buFontTx/>
+              <a:buChar char="-"/>
+            </a:pPr>
+            <a:r>
+              <a:rPr lang="en-GB" dirty="0"/>
+              <a:t>The base image includes all the necessary programs (including ROS) for basic communication with the hacker board.</a:t>
+            </a:r>
+          </a:p>
+          <a:p>
+            <a:pPr marL="628650" lvl="1" indent="-171450">
+              <a:buFontTx/>
+              <a:buChar char="-"/>
+            </a:pPr>
+            <a:r>
+              <a:rPr lang="en-GB" dirty="0"/>
+              <a:t>A second version of the image also sets up OpenCV and the Pi Camera for communication with ROS</a:t>
+            </a:r>
           </a:p>
           <a:p>
             <a:pPr marL="171450" indent="-171450">
@@ -3445,7 +3375,7 @@
             </a:pPr>
             <a:r>
               <a:rPr lang="en-GB" dirty="0"/>
-              <a:t>It can be interfaced with like a PC for the writing and debugging of code. Once the code is written, it commands to run the code can be sent remotely such that the robot can move freely</a:t>
+              <a:t>Secondly, if the user already has a Jetson up and running, ROS and the required packages can be installed by running a bash script</a:t>
             </a:r>
           </a:p>
           <a:p>
@@ -3455,25 +3385,8 @@
             </a:pPr>
             <a:r>
               <a:rPr lang="en-GB" dirty="0"/>
-              <a:t>The operating system is an NVIDIA-modified version of ubuntu 18.04, which comes with a selection of useful tools for robotics and AI, such as OpenCV, pre-installed</a:t>
-            </a:r>
-          </a:p>
-          <a:p>
-            <a:pPr marL="171450" indent="-171450">
-              <a:buFontTx/>
-              <a:buChar char="-"/>
-            </a:pPr>
-            <a:r>
-              <a:rPr lang="en-GB" dirty="0"/>
-              <a:t>The OS is loaded onto an SD card from an external computer, which is then inserted into the Jetson</a:t>
-            </a:r>
-          </a:p>
-          <a:p>
-            <a:pPr marL="171450" indent="-171450">
-              <a:buFontTx/>
-              <a:buChar char="-"/>
-            </a:pPr>
-            <a:endParaRPr lang="en-GB" dirty="0"/>
+              <a:t>Thirdly, detailed instructions for the manual configuration of ROS on the Jetson are provided in the Puzzlebot User Manual</a:t>
+            </a:r>
           </a:p>
         </p:txBody>
       </p:sp>
@@ -3494,7 +3407,7 @@
           <a:p>
             <a:fld id="{E6263D67-EF4C-8247-91B6-64C2A295C9AC}" type="slidenum">
               <a:rPr lang="en-US" smtClean="0"/>
-              <a:t>11</a:t>
+              <a:t>9</a:t>
             </a:fld>
             <a:endParaRPr lang="en-US" dirty="0"/>
           </a:p>
@@ -3503,7 +3416,7 @@
     </p:spTree>
     <p:extLst>
       <p:ext uri="{BB962C8B-B14F-4D97-AF65-F5344CB8AC3E}">
-        <p14:creationId xmlns:p14="http://schemas.microsoft.com/office/powerpoint/2010/main" val="490979999"/>
+        <p14:creationId xmlns:p14="http://schemas.microsoft.com/office/powerpoint/2010/main" val="1120108425"/>
       </p:ext>
     </p:extLst>
   </p:cSld>
@@ -7282,453 +7195,6 @@
 </file>
 
 <file path=ppt/slides/slide10.xml><?xml version="1.0" encoding="utf-8"?>
-<p:sld xmlns:a="http://schemas.openxmlformats.org/drawingml/2006/main" xmlns:r="http://schemas.openxmlformats.org/officeDocument/2006/relationships" xmlns:p="http://schemas.openxmlformats.org/presentationml/2006/main">
-  <p:cSld>
-    <p:spTree>
-      <p:nvGrpSpPr>
-        <p:cNvPr id="1" name=""/>
-        <p:cNvGrpSpPr/>
-        <p:nvPr/>
-      </p:nvGrpSpPr>
-      <p:grpSpPr>
-        <a:xfrm>
-          <a:off x="0" y="0"/>
-          <a:ext cx="0" cy="0"/>
-          <a:chOff x="0" y="0"/>
-          <a:chExt cx="0" cy="0"/>
-        </a:xfrm>
-      </p:grpSpPr>
-      <p:sp>
-        <p:nvSpPr>
-          <p:cNvPr id="2" name="Title 1">
-            <a:extLst>
-              <a:ext uri="{FF2B5EF4-FFF2-40B4-BE49-F238E27FC236}">
-                <a16:creationId xmlns:a16="http://schemas.microsoft.com/office/drawing/2014/main" id="{E986AE5C-10A6-C94C-9D95-8E1504BFCC57}"/>
-              </a:ext>
-            </a:extLst>
-          </p:cNvPr>
-          <p:cNvSpPr>
-            <a:spLocks noGrp="1"/>
-          </p:cNvSpPr>
-          <p:nvPr>
-            <p:ph type="title"/>
-          </p:nvPr>
-        </p:nvSpPr>
-        <p:spPr/>
-        <p:txBody>
-          <a:bodyPr/>
-          <a:lstStyle/>
-          <a:p>
-            <a:r>
-              <a:rPr lang="en-US" dirty="0"/>
-              <a:t>The Config</a:t>
-            </a:r>
-          </a:p>
-        </p:txBody>
-      </p:sp>
-      <p:sp>
-        <p:nvSpPr>
-          <p:cNvPr id="26" name="Content Placeholder 2">
-            <a:extLst>
-              <a:ext uri="{FF2B5EF4-FFF2-40B4-BE49-F238E27FC236}">
-                <a16:creationId xmlns:a16="http://schemas.microsoft.com/office/drawing/2014/main" id="{B7D47E9E-963C-4E61-9078-725898E18363}"/>
-              </a:ext>
-            </a:extLst>
-          </p:cNvPr>
-          <p:cNvSpPr>
-            <a:spLocks noGrp="1"/>
-          </p:cNvSpPr>
-          <p:nvPr>
-            <p:ph idx="1"/>
-          </p:nvPr>
-        </p:nvSpPr>
-        <p:spPr>
-          <a:xfrm>
-            <a:off x="4492960" y="789305"/>
-            <a:ext cx="9521536" cy="2852907"/>
-          </a:xfrm>
-        </p:spPr>
-        <p:txBody>
-          <a:bodyPr/>
-          <a:lstStyle/>
-          <a:p>
-            <a:r>
-              <a:rPr lang="en-GB" dirty="0"/>
-              <a:t>Now visit 192.168.1.1/config</a:t>
-            </a:r>
-          </a:p>
-        </p:txBody>
-      </p:sp>
-      <p:pic>
-        <p:nvPicPr>
-          <p:cNvPr id="4" name="Picture 3">
-            <a:extLst>
-              <a:ext uri="{FF2B5EF4-FFF2-40B4-BE49-F238E27FC236}">
-                <a16:creationId xmlns:a16="http://schemas.microsoft.com/office/drawing/2014/main" id="{C412F9FB-4BB2-4766-9C53-923B4180703E}"/>
-              </a:ext>
-            </a:extLst>
-          </p:cNvPr>
-          <p:cNvPicPr>
-            <a:picLocks noChangeAspect="1"/>
-          </p:cNvPicPr>
-          <p:nvPr/>
-        </p:nvPicPr>
-        <p:blipFill>
-          <a:blip r:embed="rId3"/>
-          <a:stretch>
-            <a:fillRect/>
-          </a:stretch>
-        </p:blipFill>
-        <p:spPr>
-          <a:xfrm>
-            <a:off x="1597152" y="1502492"/>
-            <a:ext cx="7656577" cy="5127799"/>
-          </a:xfrm>
-          <a:prstGeom prst="rect">
-            <a:avLst/>
-          </a:prstGeom>
-        </p:spPr>
-      </p:pic>
-    </p:spTree>
-    <p:extLst>
-      <p:ext uri="{BB962C8B-B14F-4D97-AF65-F5344CB8AC3E}">
-        <p14:creationId xmlns:p14="http://schemas.microsoft.com/office/powerpoint/2010/main" val="550643150"/>
-      </p:ext>
-    </p:extLst>
-  </p:cSld>
-  <p:clrMapOvr>
-    <a:masterClrMapping/>
-  </p:clrMapOvr>
-  <mc:AlternateContent xmlns:mc="http://schemas.openxmlformats.org/markup-compatibility/2006" xmlns:p14="http://schemas.microsoft.com/office/powerpoint/2010/main">
-    <mc:Choice Requires="p14">
-      <p:transition spd="slow" p14:dur="2000" advTm="243"/>
-    </mc:Choice>
-    <mc:Fallback xmlns="">
-      <p:transition spd="slow" advTm="243"/>
-    </mc:Fallback>
-  </mc:AlternateContent>
-</p:sld>
-</file>
-
-<file path=ppt/slides/slide11.xml><?xml version="1.0" encoding="utf-8"?>
-<p:sld xmlns:a="http://schemas.openxmlformats.org/drawingml/2006/main" xmlns:r="http://schemas.openxmlformats.org/officeDocument/2006/relationships" xmlns:p="http://schemas.openxmlformats.org/presentationml/2006/main">
-  <p:cSld>
-    <p:spTree>
-      <p:nvGrpSpPr>
-        <p:cNvPr id="1" name=""/>
-        <p:cNvGrpSpPr/>
-        <p:nvPr/>
-      </p:nvGrpSpPr>
-      <p:grpSpPr>
-        <a:xfrm>
-          <a:off x="0" y="0"/>
-          <a:ext cx="0" cy="0"/>
-          <a:chOff x="0" y="0"/>
-          <a:chExt cx="0" cy="0"/>
-        </a:xfrm>
-      </p:grpSpPr>
-      <p:sp>
-        <p:nvSpPr>
-          <p:cNvPr id="2" name="Title 1">
-            <a:extLst>
-              <a:ext uri="{FF2B5EF4-FFF2-40B4-BE49-F238E27FC236}">
-                <a16:creationId xmlns:a16="http://schemas.microsoft.com/office/drawing/2014/main" id="{947476FE-7A49-4D90-9B67-FBD042C24C1F}"/>
-              </a:ext>
-            </a:extLst>
-          </p:cNvPr>
-          <p:cNvSpPr>
-            <a:spLocks noGrp="1"/>
-          </p:cNvSpPr>
-          <p:nvPr>
-            <p:ph type="title"/>
-          </p:nvPr>
-        </p:nvSpPr>
-        <p:spPr/>
-        <p:txBody>
-          <a:bodyPr/>
-          <a:lstStyle/>
-          <a:p>
-            <a:r>
-              <a:rPr lang="en-GB" dirty="0"/>
-              <a:t>The Jetson Nano 2GB</a:t>
-            </a:r>
-          </a:p>
-        </p:txBody>
-      </p:sp>
-      <p:sp>
-        <p:nvSpPr>
-          <p:cNvPr id="3" name="Content Placeholder 2">
-            <a:extLst>
-              <a:ext uri="{FF2B5EF4-FFF2-40B4-BE49-F238E27FC236}">
-                <a16:creationId xmlns:a16="http://schemas.microsoft.com/office/drawing/2014/main" id="{875470D3-4CBD-4A58-93F2-6E4997930FE7}"/>
-              </a:ext>
-            </a:extLst>
-          </p:cNvPr>
-          <p:cNvSpPr>
-            <a:spLocks noGrp="1"/>
-          </p:cNvSpPr>
-          <p:nvPr>
-            <p:ph idx="1"/>
-          </p:nvPr>
-        </p:nvSpPr>
-        <p:spPr/>
-        <p:txBody>
-          <a:bodyPr/>
-          <a:lstStyle/>
-          <a:p>
-            <a:r>
-              <a:rPr lang="en-GB" dirty="0"/>
-              <a:t>128-core NVIDA Maxwell GPU</a:t>
-            </a:r>
-          </a:p>
-          <a:p>
-            <a:r>
-              <a:rPr lang="en-GB" dirty="0"/>
-              <a:t>1.43 GHz Quad-core ARM A57 CPU</a:t>
-            </a:r>
-          </a:p>
-          <a:p>
-            <a:r>
-              <a:rPr lang="en-GB" dirty="0"/>
-              <a:t>2 GB of 64-bit LPDDR4 Memory</a:t>
-            </a:r>
-          </a:p>
-          <a:p>
-            <a:r>
-              <a:rPr lang="en-GB" dirty="0"/>
-              <a:t>SD card for storage</a:t>
-            </a:r>
-          </a:p>
-          <a:p>
-            <a:r>
-              <a:rPr lang="en-GB" dirty="0"/>
-              <a:t>Ethernet &amp; </a:t>
-            </a:r>
-            <a:r>
-              <a:rPr lang="en-GB" dirty="0" err="1"/>
-              <a:t>WiFi</a:t>
-            </a:r>
-            <a:endParaRPr lang="en-GB" dirty="0"/>
-          </a:p>
-          <a:p>
-            <a:r>
-              <a:rPr lang="en-GB" dirty="0"/>
-              <a:t>CSI-2 Connector for Camera</a:t>
-            </a:r>
-          </a:p>
-          <a:p>
-            <a:r>
-              <a:rPr lang="en-GB" dirty="0"/>
-              <a:t>Runs a modified version of Ubuntu 18.04</a:t>
-            </a:r>
-          </a:p>
-        </p:txBody>
-      </p:sp>
-      <p:pic>
-        <p:nvPicPr>
-          <p:cNvPr id="1026" name="Picture 2" descr="NVIDIA Jetson Nano Developer Kit | NVIDIA Developer">
-            <a:extLst>
-              <a:ext uri="{FF2B5EF4-FFF2-40B4-BE49-F238E27FC236}">
-                <a16:creationId xmlns:a16="http://schemas.microsoft.com/office/drawing/2014/main" id="{40EE1795-F07D-4727-AA22-93417B4BD6E9}"/>
-              </a:ext>
-            </a:extLst>
-          </p:cNvPr>
-          <p:cNvPicPr>
-            <a:picLocks noChangeAspect="1" noChangeArrowheads="1"/>
-          </p:cNvPicPr>
-          <p:nvPr/>
-        </p:nvPicPr>
-        <p:blipFill>
-          <a:blip r:embed="rId3">
-            <a:extLst>
-              <a:ext uri="{28A0092B-C50C-407E-A947-70E740481C1C}">
-                <a14:useLocalDpi xmlns:a14="http://schemas.microsoft.com/office/drawing/2010/main" val="0"/>
-              </a:ext>
-            </a:extLst>
-          </a:blip>
-          <a:srcRect/>
-          <a:stretch>
-            <a:fillRect/>
-          </a:stretch>
-        </p:blipFill>
-        <p:spPr bwMode="auto">
-          <a:xfrm>
-            <a:off x="7204889" y="1825625"/>
-            <a:ext cx="4649827" cy="3793626"/>
-          </a:xfrm>
-          <a:prstGeom prst="rect">
-            <a:avLst/>
-          </a:prstGeom>
-          <a:noFill/>
-          <a:extLst>
-            <a:ext uri="{909E8E84-426E-40DD-AFC4-6F175D3DCCD1}">
-              <a14:hiddenFill xmlns:a14="http://schemas.microsoft.com/office/drawing/2010/main">
-                <a:solidFill>
-                  <a:srgbClr val="FFFFFF"/>
-                </a:solidFill>
-              </a14:hiddenFill>
-            </a:ext>
-          </a:extLst>
-        </p:spPr>
-      </p:pic>
-    </p:spTree>
-    <p:extLst>
-      <p:ext uri="{BB962C8B-B14F-4D97-AF65-F5344CB8AC3E}">
-        <p14:creationId xmlns:p14="http://schemas.microsoft.com/office/powerpoint/2010/main" val="769960505"/>
-      </p:ext>
-    </p:extLst>
-  </p:cSld>
-  <p:clrMapOvr>
-    <a:masterClrMapping/>
-  </p:clrMapOvr>
-</p:sld>
-</file>
-
-<file path=ppt/slides/slide12.xml><?xml version="1.0" encoding="utf-8"?>
-<p:sld xmlns:a="http://schemas.openxmlformats.org/drawingml/2006/main" xmlns:r="http://schemas.openxmlformats.org/officeDocument/2006/relationships" xmlns:p="http://schemas.openxmlformats.org/presentationml/2006/main">
-  <p:cSld>
-    <p:spTree>
-      <p:nvGrpSpPr>
-        <p:cNvPr id="1" name=""/>
-        <p:cNvGrpSpPr/>
-        <p:nvPr/>
-      </p:nvGrpSpPr>
-      <p:grpSpPr>
-        <a:xfrm>
-          <a:off x="0" y="0"/>
-          <a:ext cx="0" cy="0"/>
-          <a:chOff x="0" y="0"/>
-          <a:chExt cx="0" cy="0"/>
-        </a:xfrm>
-      </p:grpSpPr>
-      <p:sp>
-        <p:nvSpPr>
-          <p:cNvPr id="2" name="Title 1">
-            <a:extLst>
-              <a:ext uri="{FF2B5EF4-FFF2-40B4-BE49-F238E27FC236}">
-                <a16:creationId xmlns:a16="http://schemas.microsoft.com/office/drawing/2014/main" id="{E986AE5C-10A6-C94C-9D95-8E1504BFCC57}"/>
-              </a:ext>
-            </a:extLst>
-          </p:cNvPr>
-          <p:cNvSpPr>
-            <a:spLocks noGrp="1"/>
-          </p:cNvSpPr>
-          <p:nvPr>
-            <p:ph type="title"/>
-          </p:nvPr>
-        </p:nvSpPr>
-        <p:spPr/>
-        <p:txBody>
-          <a:bodyPr/>
-          <a:lstStyle/>
-          <a:p>
-            <a:r>
-              <a:rPr lang="en-US" dirty="0"/>
-              <a:t>The Jetson Nano 2GB</a:t>
-            </a:r>
-          </a:p>
-        </p:txBody>
-      </p:sp>
-      <p:sp>
-        <p:nvSpPr>
-          <p:cNvPr id="26" name="Content Placeholder 2">
-            <a:extLst>
-              <a:ext uri="{FF2B5EF4-FFF2-40B4-BE49-F238E27FC236}">
-                <a16:creationId xmlns:a16="http://schemas.microsoft.com/office/drawing/2014/main" id="{B7D47E9E-963C-4E61-9078-725898E18363}"/>
-              </a:ext>
-            </a:extLst>
-          </p:cNvPr>
-          <p:cNvSpPr>
-            <a:spLocks noGrp="1"/>
-          </p:cNvSpPr>
-          <p:nvPr>
-            <p:ph idx="1"/>
-          </p:nvPr>
-        </p:nvSpPr>
-        <p:spPr>
-          <a:xfrm>
-            <a:off x="838200" y="1825625"/>
-            <a:ext cx="9521536" cy="4667250"/>
-          </a:xfrm>
-        </p:spPr>
-        <p:txBody>
-          <a:bodyPr>
-            <a:normAutofit/>
-          </a:bodyPr>
-          <a:lstStyle/>
-          <a:p>
-            <a:r>
-              <a:rPr lang="en-GB" dirty="0"/>
-              <a:t>Communicates with the Hacker Board serially via ROS</a:t>
-            </a:r>
-          </a:p>
-          <a:p>
-            <a:r>
-              <a:rPr lang="en-GB" dirty="0"/>
-              <a:t>Runs NVIDIA’s own version of Linux, similar to Ubuntu</a:t>
-            </a:r>
-          </a:p>
-          <a:p>
-            <a:r>
-              <a:rPr lang="en-GB" dirty="0"/>
-              <a:t>The OS is flashed onto the SD card by a PC</a:t>
-            </a:r>
-          </a:p>
-          <a:p>
-            <a:r>
-              <a:rPr lang="en-GB" dirty="0"/>
-              <a:t>Three options for setup</a:t>
-            </a:r>
-          </a:p>
-          <a:p>
-            <a:pPr lvl="1"/>
-            <a:r>
-              <a:rPr lang="en-GB" dirty="0"/>
-              <a:t>Use the provided image in place of the NVIDIA image (recommended)</a:t>
-            </a:r>
-          </a:p>
-          <a:p>
-            <a:pPr lvl="1"/>
-            <a:r>
-              <a:rPr lang="en-GB" dirty="0"/>
-              <a:t>Run a setup bash file</a:t>
-            </a:r>
-          </a:p>
-          <a:p>
-            <a:pPr lvl="1"/>
-            <a:r>
-              <a:rPr lang="en-GB" dirty="0"/>
-              <a:t>Manual installation</a:t>
-            </a:r>
-          </a:p>
-          <a:p>
-            <a:pPr lvl="1"/>
-            <a:endParaRPr lang="en-GB" dirty="0"/>
-          </a:p>
-        </p:txBody>
-      </p:sp>
-    </p:spTree>
-    <p:extLst>
-      <p:ext uri="{BB962C8B-B14F-4D97-AF65-F5344CB8AC3E}">
-        <p14:creationId xmlns:p14="http://schemas.microsoft.com/office/powerpoint/2010/main" val="236806603"/>
-      </p:ext>
-    </p:extLst>
-  </p:cSld>
-  <p:clrMapOvr>
-    <a:masterClrMapping/>
-  </p:clrMapOvr>
-  <mc:AlternateContent xmlns:mc="http://schemas.openxmlformats.org/markup-compatibility/2006" xmlns:p14="http://schemas.microsoft.com/office/powerpoint/2010/main">
-    <mc:Choice Requires="p14">
-      <p:transition spd="slow" p14:dur="2000" advTm="243"/>
-    </mc:Choice>
-    <mc:Fallback xmlns="">
-      <p:transition spd="slow" advTm="243"/>
-    </mc:Fallback>
-  </mc:AlternateContent>
-</p:sld>
-</file>
-
-<file path=ppt/slides/slide13.xml><?xml version="1.0" encoding="utf-8"?>
 <p:sld xmlns:a="http://schemas.openxmlformats.org/drawingml/2006/main" xmlns:r="http://schemas.openxmlformats.org/officeDocument/2006/relationships" xmlns:p="http://schemas.openxmlformats.org/presentationml/2006/main">
   <p:cSld>
     <p:spTree>
@@ -8580,7 +8046,7 @@
 </p:sld>
 </file>
 
-<file path=ppt/slides/slide14.xml><?xml version="1.0" encoding="utf-8"?>
+<file path=ppt/slides/slide11.xml><?xml version="1.0" encoding="utf-8"?>
 <p:sld xmlns:a="http://schemas.openxmlformats.org/drawingml/2006/main" xmlns:r="http://schemas.openxmlformats.org/officeDocument/2006/relationships" xmlns:p="http://schemas.openxmlformats.org/presentationml/2006/main">
   <p:cSld>
     <p:spTree>
@@ -9313,7 +8779,7 @@
 </p:sld>
 </file>
 
-<file path=ppt/slides/slide15.xml><?xml version="1.0" encoding="utf-8"?>
+<file path=ppt/slides/slide12.xml><?xml version="1.0" encoding="utf-8"?>
 <p:sld xmlns:a="http://schemas.openxmlformats.org/drawingml/2006/main" xmlns:r="http://schemas.openxmlformats.org/officeDocument/2006/relationships" xmlns:p="http://schemas.openxmlformats.org/presentationml/2006/main">
   <p:cSld>
     <p:spTree>
@@ -9523,7 +8989,7 @@
 </p:sld>
 </file>
 
-<file path=ppt/slides/slide16.xml><?xml version="1.0" encoding="utf-8"?>
+<file path=ppt/slides/slide13.xml><?xml version="1.0" encoding="utf-8"?>
 <p:sld xmlns:a="http://schemas.openxmlformats.org/drawingml/2006/main" xmlns:r="http://schemas.openxmlformats.org/officeDocument/2006/relationships" xmlns:p="http://schemas.openxmlformats.org/presentationml/2006/main">
   <p:cSld>
     <p:spTree>
@@ -9780,7 +9246,7 @@
 </p:sld>
 </file>
 
-<file path=ppt/slides/slide17.xml><?xml version="1.0" encoding="utf-8"?>
+<file path=ppt/slides/slide14.xml><?xml version="1.0" encoding="utf-8"?>
 <p:sld xmlns:a="http://schemas.openxmlformats.org/drawingml/2006/main" xmlns:r="http://schemas.openxmlformats.org/officeDocument/2006/relationships" xmlns:p="http://schemas.openxmlformats.org/presentationml/2006/main">
   <p:cSld>
     <p:spTree>
@@ -10454,7 +9920,7 @@
 </p:sld>
 </file>
 
-<file path=ppt/slides/slide18.xml><?xml version="1.0" encoding="utf-8"?>
+<file path=ppt/slides/slide15.xml><?xml version="1.0" encoding="utf-8"?>
 <p:sld xmlns:a="http://schemas.openxmlformats.org/drawingml/2006/main" xmlns:r="http://schemas.openxmlformats.org/officeDocument/2006/relationships" xmlns:p="http://schemas.openxmlformats.org/presentationml/2006/main">
   <p:cSld>
     <p:spTree>
@@ -11958,7 +11424,7 @@
 </p:sld>
 </file>
 
-<file path=ppt/slides/slide19.xml><?xml version="1.0" encoding="utf-8"?>
+<file path=ppt/slides/slide16.xml><?xml version="1.0" encoding="utf-8"?>
 <p:sld xmlns:a="http://schemas.openxmlformats.org/drawingml/2006/main" xmlns:r="http://schemas.openxmlformats.org/officeDocument/2006/relationships" xmlns:p="http://schemas.openxmlformats.org/presentationml/2006/main">
   <p:cSld>
     <p:spTree>
@@ -12921,7 +12387,7 @@
 </p:sld>
 </file>
 
-<file path=ppt/slides/slide2.xml><?xml version="1.0" encoding="utf-8"?>
+<file path=ppt/slides/slide17.xml><?xml version="1.0" encoding="utf-8"?>
 <p:sld xmlns:a="http://schemas.openxmlformats.org/drawingml/2006/main" xmlns:r="http://schemas.openxmlformats.org/officeDocument/2006/relationships" xmlns:p="http://schemas.openxmlformats.org/presentationml/2006/main">
   <p:cSld>
     <p:spTree>
@@ -12943,7 +12409,7 @@
           <p:cNvPr id="2" name="Title 1">
             <a:extLst>
               <a:ext uri="{FF2B5EF4-FFF2-40B4-BE49-F238E27FC236}">
-                <a16:creationId xmlns:a16="http://schemas.microsoft.com/office/drawing/2014/main" id="{E986AE5C-10A6-C94C-9D95-8E1504BFCC57}"/>
+                <a16:creationId xmlns:a16="http://schemas.microsoft.com/office/drawing/2014/main" id="{7391929D-3649-48CE-B71D-09F0A879CD70}"/>
               </a:ext>
             </a:extLst>
           </p:cNvPr>
@@ -12960,18 +12426,18 @@
           <a:lstStyle/>
           <a:p>
             <a:r>
-              <a:rPr lang="en-US" dirty="0"/>
-              <a:t>In previous days …</a:t>
-            </a:r>
-          </a:p>
-        </p:txBody>
-      </p:sp>
-      <p:sp>
-        <p:nvSpPr>
-          <p:cNvPr id="6" name="Content Placeholder 5">
-            <a:extLst>
-              <a:ext uri="{FF2B5EF4-FFF2-40B4-BE49-F238E27FC236}">
-                <a16:creationId xmlns:a16="http://schemas.microsoft.com/office/drawing/2014/main" id="{47227B2F-15FA-2B44-AB08-0F64387B6B11}"/>
+              <a:rPr lang="en-GB" dirty="0"/>
+              <a:t>Activity: Launch and config files</a:t>
+            </a:r>
+          </a:p>
+        </p:txBody>
+      </p:sp>
+      <p:sp>
+        <p:nvSpPr>
+          <p:cNvPr id="3" name="Content Placeholder 2">
+            <a:extLst>
+              <a:ext uri="{FF2B5EF4-FFF2-40B4-BE49-F238E27FC236}">
+                <a16:creationId xmlns:a16="http://schemas.microsoft.com/office/drawing/2014/main" id="{ABDBCC6F-B47E-48E8-8AEA-571E7100183F}"/>
               </a:ext>
             </a:extLst>
           </p:cNvPr>
@@ -12984,52 +12450,73 @@
         </p:nvSpPr>
         <p:spPr/>
         <p:txBody>
-          <a:bodyPr>
-            <a:normAutofit/>
-          </a:bodyPr>
+          <a:bodyPr/>
           <a:lstStyle/>
           <a:p>
             <a:r>
               <a:rPr lang="en-GB" dirty="0"/>
-              <a:t>Day 1: ROS basics</a:t>
-            </a:r>
-          </a:p>
-          <a:p>
-            <a:r>
-              <a:rPr lang="en-GB" dirty="0"/>
-              <a:t>Day 2: ROS Manipulators</a:t>
+              <a:t>Using the guidance given on day 1, create a config file which contains the tuning parameters for the PID controller</a:t>
+            </a:r>
+          </a:p>
+          <a:p>
+            <a:r>
+              <a:rPr lang="en-GB" dirty="0"/>
+              <a:t>Create a launch file that sets the gains in the ROS parameter server and starts the controller node</a:t>
+            </a:r>
+          </a:p>
+          <a:p>
+            <a:r>
+              <a:rPr lang="en-GB" dirty="0"/>
+              <a:t>Check that your launch file has worked</a:t>
             </a:r>
           </a:p>
           <a:p>
             <a:pPr lvl="1"/>
             <a:r>
-              <a:rPr lang="en-GB" dirty="0"/>
-              <a:t>Modelling in ROS </a:t>
+              <a:rPr lang="en-GB" dirty="0" err="1">
+                <a:latin typeface="Consolas" panose="020B0609020204030204" pitchFamily="49" charset="0"/>
+              </a:rPr>
+              <a:t>rosparam</a:t>
+            </a:r>
+            <a:r>
+              <a:rPr lang="en-GB" dirty="0">
+                <a:latin typeface="Consolas" panose="020B0609020204030204" pitchFamily="49" charset="0"/>
+              </a:rPr>
+              <a:t> list</a:t>
             </a:r>
           </a:p>
           <a:p>
             <a:pPr lvl="1"/>
             <a:r>
-              <a:rPr lang="en-GB" dirty="0"/>
-              <a:t>Gazebo as a simulation environment</a:t>
-            </a:r>
-          </a:p>
-          <a:p>
-            <a:pPr lvl="1"/>
-            <a:r>
-              <a:rPr lang="en-GB" dirty="0"/>
-              <a:t>Spatial relationships</a:t>
-            </a:r>
-          </a:p>
-          <a:p>
-            <a:pPr lvl="1"/>
-            <a:r>
-              <a:rPr lang="en-GB" dirty="0" err="1"/>
-              <a:t>sRobot</a:t>
-            </a:r>
-            <a:r>
-              <a:rPr lang="en-GB" dirty="0"/>
-              <a:t> manipulation </a:t>
+              <a:rPr lang="en-GB" dirty="0" err="1">
+                <a:latin typeface="Consolas" panose="020B0609020204030204" pitchFamily="49" charset="0"/>
+              </a:rPr>
+              <a:t>rosparam</a:t>
+            </a:r>
+            <a:r>
+              <a:rPr lang="en-GB" dirty="0">
+                <a:latin typeface="Consolas" panose="020B0609020204030204" pitchFamily="49" charset="0"/>
+              </a:rPr>
+              <a:t> get &lt;</a:t>
+            </a:r>
+            <a:r>
+              <a:rPr lang="en-GB" dirty="0" err="1">
+                <a:latin typeface="Consolas" panose="020B0609020204030204" pitchFamily="49" charset="0"/>
+              </a:rPr>
+              <a:t>parameter_name</a:t>
+            </a:r>
+            <a:r>
+              <a:rPr lang="en-GB" dirty="0">
+                <a:latin typeface="Consolas" panose="020B0609020204030204" pitchFamily="49" charset="0"/>
+              </a:rPr>
+              <a:t>&gt;</a:t>
+            </a:r>
+            <a:endParaRPr lang="en-GB" dirty="0"/>
+          </a:p>
+          <a:p>
+            <a:r>
+              <a:rPr lang="en-GB" dirty="0"/>
+              <a:t>Modify the controller code so it takes the PID gains from the parameter server</a:t>
             </a:r>
           </a:p>
         </p:txBody>
@@ -13037,7 +12524,7 @@
     </p:spTree>
     <p:extLst>
       <p:ext uri="{BB962C8B-B14F-4D97-AF65-F5344CB8AC3E}">
-        <p14:creationId xmlns:p14="http://schemas.microsoft.com/office/powerpoint/2010/main" val="4292287278"/>
+        <p14:creationId xmlns:p14="http://schemas.microsoft.com/office/powerpoint/2010/main" val="1369162767"/>
       </p:ext>
     </p:extLst>
   </p:cSld>
@@ -13047,7 +12534,7 @@
 </p:sld>
 </file>
 
-<file path=ppt/slides/slide20.xml><?xml version="1.0" encoding="utf-8"?>
+<file path=ppt/slides/slide18.xml><?xml version="1.0" encoding="utf-8"?>
 <p:sld xmlns:a="http://schemas.openxmlformats.org/drawingml/2006/main" xmlns:r="http://schemas.openxmlformats.org/officeDocument/2006/relationships" xmlns:p="http://schemas.openxmlformats.org/presentationml/2006/main">
   <p:cSld>
     <p:spTree>
@@ -13069,153 +12556,6 @@
           <p:cNvPr id="2" name="Title 1">
             <a:extLst>
               <a:ext uri="{FF2B5EF4-FFF2-40B4-BE49-F238E27FC236}">
-                <a16:creationId xmlns:a16="http://schemas.microsoft.com/office/drawing/2014/main" id="{7391929D-3649-48CE-B71D-09F0A879CD70}"/>
-              </a:ext>
-            </a:extLst>
-          </p:cNvPr>
-          <p:cNvSpPr>
-            <a:spLocks noGrp="1"/>
-          </p:cNvSpPr>
-          <p:nvPr>
-            <p:ph type="title"/>
-          </p:nvPr>
-        </p:nvSpPr>
-        <p:spPr/>
-        <p:txBody>
-          <a:bodyPr/>
-          <a:lstStyle/>
-          <a:p>
-            <a:r>
-              <a:rPr lang="en-GB" dirty="0"/>
-              <a:t>Activity: Launch and config files</a:t>
-            </a:r>
-          </a:p>
-        </p:txBody>
-      </p:sp>
-      <p:sp>
-        <p:nvSpPr>
-          <p:cNvPr id="3" name="Content Placeholder 2">
-            <a:extLst>
-              <a:ext uri="{FF2B5EF4-FFF2-40B4-BE49-F238E27FC236}">
-                <a16:creationId xmlns:a16="http://schemas.microsoft.com/office/drawing/2014/main" id="{ABDBCC6F-B47E-48E8-8AEA-571E7100183F}"/>
-              </a:ext>
-            </a:extLst>
-          </p:cNvPr>
-          <p:cNvSpPr>
-            <a:spLocks noGrp="1"/>
-          </p:cNvSpPr>
-          <p:nvPr>
-            <p:ph idx="1"/>
-          </p:nvPr>
-        </p:nvSpPr>
-        <p:spPr/>
-        <p:txBody>
-          <a:bodyPr/>
-          <a:lstStyle/>
-          <a:p>
-            <a:r>
-              <a:rPr lang="en-GB" dirty="0"/>
-              <a:t>Using the guidance given on day 1, create a config file which contains the tuning parameters for the PID controller</a:t>
-            </a:r>
-          </a:p>
-          <a:p>
-            <a:r>
-              <a:rPr lang="en-GB" dirty="0"/>
-              <a:t>Create a launch file that sets the gains in the ROS parameter server and starts the controller node</a:t>
-            </a:r>
-          </a:p>
-          <a:p>
-            <a:r>
-              <a:rPr lang="en-GB" dirty="0"/>
-              <a:t>Check that your launch file has worked</a:t>
-            </a:r>
-          </a:p>
-          <a:p>
-            <a:pPr lvl="1"/>
-            <a:r>
-              <a:rPr lang="en-GB" dirty="0" err="1">
-                <a:latin typeface="Consolas" panose="020B0609020204030204" pitchFamily="49" charset="0"/>
-              </a:rPr>
-              <a:t>rosparam</a:t>
-            </a:r>
-            <a:r>
-              <a:rPr lang="en-GB" dirty="0">
-                <a:latin typeface="Consolas" panose="020B0609020204030204" pitchFamily="49" charset="0"/>
-              </a:rPr>
-              <a:t> list</a:t>
-            </a:r>
-          </a:p>
-          <a:p>
-            <a:pPr lvl="1"/>
-            <a:r>
-              <a:rPr lang="en-GB" dirty="0" err="1">
-                <a:latin typeface="Consolas" panose="020B0609020204030204" pitchFamily="49" charset="0"/>
-              </a:rPr>
-              <a:t>rosparam</a:t>
-            </a:r>
-            <a:r>
-              <a:rPr lang="en-GB" dirty="0">
-                <a:latin typeface="Consolas" panose="020B0609020204030204" pitchFamily="49" charset="0"/>
-              </a:rPr>
-              <a:t> get &lt;</a:t>
-            </a:r>
-            <a:r>
-              <a:rPr lang="en-GB" dirty="0" err="1">
-                <a:latin typeface="Consolas" panose="020B0609020204030204" pitchFamily="49" charset="0"/>
-              </a:rPr>
-              <a:t>parameter_name</a:t>
-            </a:r>
-            <a:r>
-              <a:rPr lang="en-GB" dirty="0">
-                <a:latin typeface="Consolas" panose="020B0609020204030204" pitchFamily="49" charset="0"/>
-              </a:rPr>
-              <a:t>&gt;</a:t>
-            </a:r>
-            <a:endParaRPr lang="en-GB" dirty="0"/>
-          </a:p>
-          <a:p>
-            <a:r>
-              <a:rPr lang="en-GB" dirty="0"/>
-              <a:t>Modify the controller code so it takes the PID gains from the parameter server</a:t>
-            </a:r>
-          </a:p>
-        </p:txBody>
-      </p:sp>
-    </p:spTree>
-    <p:extLst>
-      <p:ext uri="{BB962C8B-B14F-4D97-AF65-F5344CB8AC3E}">
-        <p14:creationId xmlns:p14="http://schemas.microsoft.com/office/powerpoint/2010/main" val="1369162767"/>
-      </p:ext>
-    </p:extLst>
-  </p:cSld>
-  <p:clrMapOvr>
-    <a:masterClrMapping/>
-  </p:clrMapOvr>
-</p:sld>
-</file>
-
-<file path=ppt/slides/slide21.xml><?xml version="1.0" encoding="utf-8"?>
-<p:sld xmlns:a="http://schemas.openxmlformats.org/drawingml/2006/main" xmlns:r="http://schemas.openxmlformats.org/officeDocument/2006/relationships" xmlns:p="http://schemas.openxmlformats.org/presentationml/2006/main">
-  <p:cSld>
-    <p:spTree>
-      <p:nvGrpSpPr>
-        <p:cNvPr id="1" name=""/>
-        <p:cNvGrpSpPr/>
-        <p:nvPr/>
-      </p:nvGrpSpPr>
-      <p:grpSpPr>
-        <a:xfrm>
-          <a:off x="0" y="0"/>
-          <a:ext cx="0" cy="0"/>
-          <a:chOff x="0" y="0"/>
-          <a:chExt cx="0" cy="0"/>
-        </a:xfrm>
-      </p:grpSpPr>
-      <p:sp>
-        <p:nvSpPr>
-          <p:cNvPr id="2" name="Title 1">
-            <a:extLst>
-              <a:ext uri="{FF2B5EF4-FFF2-40B4-BE49-F238E27FC236}">
                 <a16:creationId xmlns:a16="http://schemas.microsoft.com/office/drawing/2014/main" id="{CB90B6F0-505F-43DD-A6EF-93E74D142A50}"/>
               </a:ext>
             </a:extLst>
@@ -13390,234 +12730,7 @@
 </p:sld>
 </file>
 
-<file path=ppt/slides/slide3.xml><?xml version="1.0" encoding="utf-8"?>
-<p:sld xmlns:a="http://schemas.openxmlformats.org/drawingml/2006/main" xmlns:r="http://schemas.openxmlformats.org/officeDocument/2006/relationships" xmlns:p="http://schemas.openxmlformats.org/presentationml/2006/main">
-  <p:cSld>
-    <p:spTree>
-      <p:nvGrpSpPr>
-        <p:cNvPr id="1" name=""/>
-        <p:cNvGrpSpPr/>
-        <p:nvPr/>
-      </p:nvGrpSpPr>
-      <p:grpSpPr>
-        <a:xfrm>
-          <a:off x="0" y="0"/>
-          <a:ext cx="0" cy="0"/>
-          <a:chOff x="0" y="0"/>
-          <a:chExt cx="0" cy="0"/>
-        </a:xfrm>
-      </p:grpSpPr>
-      <p:sp>
-        <p:nvSpPr>
-          <p:cNvPr id="2" name="Title 1">
-            <a:extLst>
-              <a:ext uri="{FF2B5EF4-FFF2-40B4-BE49-F238E27FC236}">
-                <a16:creationId xmlns:a16="http://schemas.microsoft.com/office/drawing/2014/main" id="{0BAFB5B6-9A81-452F-B718-0088DF158F8A}"/>
-              </a:ext>
-            </a:extLst>
-          </p:cNvPr>
-          <p:cNvSpPr>
-            <a:spLocks noGrp="1"/>
-          </p:cNvSpPr>
-          <p:nvPr>
-            <p:ph type="title"/>
-          </p:nvPr>
-        </p:nvSpPr>
-        <p:spPr/>
-        <p:txBody>
-          <a:bodyPr/>
-          <a:lstStyle/>
-          <a:p>
-            <a:r>
-              <a:rPr lang="en-GB" dirty="0"/>
-              <a:t>Schedule</a:t>
-            </a:r>
-          </a:p>
-        </p:txBody>
-      </p:sp>
-      <p:sp>
-        <p:nvSpPr>
-          <p:cNvPr id="3" name="Content Placeholder 2">
-            <a:extLst>
-              <a:ext uri="{FF2B5EF4-FFF2-40B4-BE49-F238E27FC236}">
-                <a16:creationId xmlns:a16="http://schemas.microsoft.com/office/drawing/2014/main" id="{A2E136EA-9EA2-4C10-B69D-75398D0CF05E}"/>
-              </a:ext>
-            </a:extLst>
-          </p:cNvPr>
-          <p:cNvSpPr>
-            <a:spLocks noGrp="1"/>
-          </p:cNvSpPr>
-          <p:nvPr>
-            <p:ph idx="1"/>
-          </p:nvPr>
-        </p:nvSpPr>
-        <p:spPr/>
-        <p:txBody>
-          <a:bodyPr>
-            <a:normAutofit/>
-          </a:bodyPr>
-          <a:lstStyle/>
-          <a:p>
-            <a:pPr lvl="1"/>
-            <a:r>
-              <a:rPr lang="en-GB" dirty="0"/>
-              <a:t>What is a PuzzleBot?</a:t>
-            </a:r>
-          </a:p>
-          <a:p>
-            <a:pPr lvl="1"/>
-            <a:r>
-              <a:rPr lang="en-GB" dirty="0"/>
-              <a:t>Puzzlebot setup and configuration</a:t>
-            </a:r>
-          </a:p>
-          <a:p>
-            <a:pPr lvl="1"/>
-            <a:r>
-              <a:rPr lang="en-GB" dirty="0"/>
-              <a:t>Adding Encoder data to the control loop</a:t>
-            </a:r>
-          </a:p>
-          <a:p>
-            <a:pPr lvl="1"/>
-            <a:r>
-              <a:rPr lang="en-GB" dirty="0"/>
-              <a:t>What is OpenCV?</a:t>
-            </a:r>
-          </a:p>
-          <a:p>
-            <a:pPr lvl="1"/>
-            <a:r>
-              <a:rPr lang="en-GB" dirty="0"/>
-              <a:t>Adding camera response to the control</a:t>
-            </a:r>
-          </a:p>
-          <a:p>
-            <a:pPr lvl="1"/>
-            <a:endParaRPr lang="en-GB" dirty="0"/>
-          </a:p>
-        </p:txBody>
-      </p:sp>
-    </p:spTree>
-    <p:extLst>
-      <p:ext uri="{BB962C8B-B14F-4D97-AF65-F5344CB8AC3E}">
-        <p14:creationId xmlns:p14="http://schemas.microsoft.com/office/powerpoint/2010/main" val="4257972676"/>
-      </p:ext>
-    </p:extLst>
-  </p:cSld>
-  <p:clrMapOvr>
-    <a:masterClrMapping/>
-  </p:clrMapOvr>
-</p:sld>
-</file>
-
-<file path=ppt/slides/slide4.xml><?xml version="1.0" encoding="utf-8"?>
-<p:sld xmlns:a="http://schemas.openxmlformats.org/drawingml/2006/main" xmlns:r="http://schemas.openxmlformats.org/officeDocument/2006/relationships" xmlns:p="http://schemas.openxmlformats.org/presentationml/2006/main" show="0">
-  <p:cSld>
-    <p:spTree>
-      <p:nvGrpSpPr>
-        <p:cNvPr id="1" name=""/>
-        <p:cNvGrpSpPr/>
-        <p:nvPr/>
-      </p:nvGrpSpPr>
-      <p:grpSpPr>
-        <a:xfrm>
-          <a:off x="0" y="0"/>
-          <a:ext cx="0" cy="0"/>
-          <a:chOff x="0" y="0"/>
-          <a:chExt cx="0" cy="0"/>
-        </a:xfrm>
-      </p:grpSpPr>
-      <p:sp>
-        <p:nvSpPr>
-          <p:cNvPr id="2" name="Title 1">
-            <a:extLst>
-              <a:ext uri="{FF2B5EF4-FFF2-40B4-BE49-F238E27FC236}">
-                <a16:creationId xmlns:a16="http://schemas.microsoft.com/office/drawing/2014/main" id="{ED3CBBBF-D140-4865-AFB2-05D1D32FA7A8}"/>
-              </a:ext>
-            </a:extLst>
-          </p:cNvPr>
-          <p:cNvSpPr>
-            <a:spLocks noGrp="1"/>
-          </p:cNvSpPr>
-          <p:nvPr>
-            <p:ph type="title"/>
-          </p:nvPr>
-        </p:nvSpPr>
-        <p:spPr/>
-        <p:txBody>
-          <a:bodyPr/>
-          <a:lstStyle/>
-          <a:p>
-            <a:r>
-              <a:rPr lang="en-GB" dirty="0"/>
-              <a:t>Required HW/SW</a:t>
-            </a:r>
-          </a:p>
-        </p:txBody>
-      </p:sp>
-      <p:sp>
-        <p:nvSpPr>
-          <p:cNvPr id="3" name="Content Placeholder 2">
-            <a:extLst>
-              <a:ext uri="{FF2B5EF4-FFF2-40B4-BE49-F238E27FC236}">
-                <a16:creationId xmlns:a16="http://schemas.microsoft.com/office/drawing/2014/main" id="{3742E4CD-4BA0-4F1E-936B-69BCF41A874F}"/>
-              </a:ext>
-            </a:extLst>
-          </p:cNvPr>
-          <p:cNvSpPr>
-            <a:spLocks noGrp="1"/>
-          </p:cNvSpPr>
-          <p:nvPr>
-            <p:ph idx="1"/>
-          </p:nvPr>
-        </p:nvSpPr>
-        <p:spPr/>
-        <p:txBody>
-          <a:bodyPr/>
-          <a:lstStyle/>
-          <a:p>
-            <a:r>
-              <a:rPr lang="en-GB" dirty="0"/>
-              <a:t>Puzzlebot Jetson edition</a:t>
-            </a:r>
-          </a:p>
-          <a:p>
-            <a:r>
-              <a:rPr lang="en-GB" dirty="0"/>
-              <a:t>Computer with ubuntu 18.04 and </a:t>
-            </a:r>
-            <a:r>
-              <a:rPr lang="en-GB" dirty="0" err="1"/>
-              <a:t>ros</a:t>
-            </a:r>
-            <a:r>
-              <a:rPr lang="en-GB" dirty="0"/>
-              <a:t> melodic installed</a:t>
-            </a:r>
-          </a:p>
-          <a:p>
-            <a:r>
-              <a:rPr lang="en-GB" dirty="0"/>
-              <a:t>Start with the Jetson connected to a screen, keyboard and mouse, ideally with the wheels lifted off the ground</a:t>
-            </a:r>
-          </a:p>
-        </p:txBody>
-      </p:sp>
-    </p:spTree>
-    <p:extLst>
-      <p:ext uri="{BB962C8B-B14F-4D97-AF65-F5344CB8AC3E}">
-        <p14:creationId xmlns:p14="http://schemas.microsoft.com/office/powerpoint/2010/main" val="3244088203"/>
-      </p:ext>
-    </p:extLst>
-  </p:cSld>
-  <p:clrMapOvr>
-    <a:masterClrMapping/>
-  </p:clrMapOvr>
-</p:sld>
-</file>
-
-<file path=ppt/slides/slide5.xml><?xml version="1.0" encoding="utf-8"?>
+<file path=ppt/slides/slide2.xml><?xml version="1.0" encoding="utf-8"?>
 <p:sld xmlns:a="http://schemas.openxmlformats.org/drawingml/2006/main" xmlns:r="http://schemas.openxmlformats.org/officeDocument/2006/relationships" xmlns:p="http://schemas.openxmlformats.org/presentationml/2006/main">
   <p:cSld>
     <p:spTree>
@@ -14332,7 +13445,7 @@
 </p:sld>
 </file>
 
-<file path=ppt/slides/slide6.xml><?xml version="1.0" encoding="utf-8"?>
+<file path=ppt/slides/slide3.xml><?xml version="1.0" encoding="utf-8"?>
 <p:sld xmlns:a="http://schemas.openxmlformats.org/drawingml/2006/main" xmlns:r="http://schemas.openxmlformats.org/officeDocument/2006/relationships" xmlns:p="http://schemas.openxmlformats.org/presentationml/2006/main">
   <p:cSld>
     <p:spTree>
@@ -16302,7 +15415,7 @@
 </p:sld>
 </file>
 
-<file path=ppt/slides/slide7.xml><?xml version="1.0" encoding="utf-8"?>
+<file path=ppt/slides/slide4.xml><?xml version="1.0" encoding="utf-8"?>
 <p:sld xmlns:a="http://schemas.openxmlformats.org/drawingml/2006/main" xmlns:r="http://schemas.openxmlformats.org/officeDocument/2006/relationships" xmlns:p="http://schemas.openxmlformats.org/presentationml/2006/main">
   <p:cSld>
     <p:spTree>
@@ -16480,7 +15593,7 @@
 </p:sld>
 </file>
 
-<file path=ppt/slides/slide8.xml><?xml version="1.0" encoding="utf-8"?>
+<file path=ppt/slides/slide5.xml><?xml version="1.0" encoding="utf-8"?>
 <p:sld xmlns:a="http://schemas.openxmlformats.org/drawingml/2006/main" xmlns:r="http://schemas.openxmlformats.org/officeDocument/2006/relationships" xmlns:p="http://schemas.openxmlformats.org/presentationml/2006/main">
   <p:cSld>
     <p:spTree>
@@ -16844,7 +15957,7 @@
 </p:sld>
 </file>
 
-<file path=ppt/slides/slide9.xml><?xml version="1.0" encoding="utf-8"?>
+<file path=ppt/slides/slide6.xml><?xml version="1.0" encoding="utf-8"?>
 <p:sld xmlns:a="http://schemas.openxmlformats.org/drawingml/2006/main" xmlns:r="http://schemas.openxmlformats.org/officeDocument/2006/relationships" xmlns:p="http://schemas.openxmlformats.org/presentationml/2006/main">
   <p:cSld>
     <p:spTree>
@@ -16983,6 +16096,453 @@
     <p:extLst>
       <p:ext uri="{BB962C8B-B14F-4D97-AF65-F5344CB8AC3E}">
         <p14:creationId xmlns:p14="http://schemas.microsoft.com/office/powerpoint/2010/main" val="272323449"/>
+      </p:ext>
+    </p:extLst>
+  </p:cSld>
+  <p:clrMapOvr>
+    <a:masterClrMapping/>
+  </p:clrMapOvr>
+  <mc:AlternateContent xmlns:mc="http://schemas.openxmlformats.org/markup-compatibility/2006" xmlns:p14="http://schemas.microsoft.com/office/powerpoint/2010/main">
+    <mc:Choice Requires="p14">
+      <p:transition spd="slow" p14:dur="2000" advTm="243"/>
+    </mc:Choice>
+    <mc:Fallback xmlns="">
+      <p:transition spd="slow" advTm="243"/>
+    </mc:Fallback>
+  </mc:AlternateContent>
+</p:sld>
+</file>
+
+<file path=ppt/slides/slide7.xml><?xml version="1.0" encoding="utf-8"?>
+<p:sld xmlns:a="http://schemas.openxmlformats.org/drawingml/2006/main" xmlns:r="http://schemas.openxmlformats.org/officeDocument/2006/relationships" xmlns:p="http://schemas.openxmlformats.org/presentationml/2006/main">
+  <p:cSld>
+    <p:spTree>
+      <p:nvGrpSpPr>
+        <p:cNvPr id="1" name=""/>
+        <p:cNvGrpSpPr/>
+        <p:nvPr/>
+      </p:nvGrpSpPr>
+      <p:grpSpPr>
+        <a:xfrm>
+          <a:off x="0" y="0"/>
+          <a:ext cx="0" cy="0"/>
+          <a:chOff x="0" y="0"/>
+          <a:chExt cx="0" cy="0"/>
+        </a:xfrm>
+      </p:grpSpPr>
+      <p:sp>
+        <p:nvSpPr>
+          <p:cNvPr id="2" name="Title 1">
+            <a:extLst>
+              <a:ext uri="{FF2B5EF4-FFF2-40B4-BE49-F238E27FC236}">
+                <a16:creationId xmlns:a16="http://schemas.microsoft.com/office/drawing/2014/main" id="{E986AE5C-10A6-C94C-9D95-8E1504BFCC57}"/>
+              </a:ext>
+            </a:extLst>
+          </p:cNvPr>
+          <p:cNvSpPr>
+            <a:spLocks noGrp="1"/>
+          </p:cNvSpPr>
+          <p:nvPr>
+            <p:ph type="title"/>
+          </p:nvPr>
+        </p:nvSpPr>
+        <p:spPr/>
+        <p:txBody>
+          <a:bodyPr/>
+          <a:lstStyle/>
+          <a:p>
+            <a:r>
+              <a:rPr lang="en-US" dirty="0"/>
+              <a:t>The Config</a:t>
+            </a:r>
+          </a:p>
+        </p:txBody>
+      </p:sp>
+      <p:sp>
+        <p:nvSpPr>
+          <p:cNvPr id="26" name="Content Placeholder 2">
+            <a:extLst>
+              <a:ext uri="{FF2B5EF4-FFF2-40B4-BE49-F238E27FC236}">
+                <a16:creationId xmlns:a16="http://schemas.microsoft.com/office/drawing/2014/main" id="{B7D47E9E-963C-4E61-9078-725898E18363}"/>
+              </a:ext>
+            </a:extLst>
+          </p:cNvPr>
+          <p:cNvSpPr>
+            <a:spLocks noGrp="1"/>
+          </p:cNvSpPr>
+          <p:nvPr>
+            <p:ph idx="1"/>
+          </p:nvPr>
+        </p:nvSpPr>
+        <p:spPr>
+          <a:xfrm>
+            <a:off x="4492960" y="789305"/>
+            <a:ext cx="9521536" cy="2852907"/>
+          </a:xfrm>
+        </p:spPr>
+        <p:txBody>
+          <a:bodyPr/>
+          <a:lstStyle/>
+          <a:p>
+            <a:r>
+              <a:rPr lang="en-GB" dirty="0"/>
+              <a:t>Now visit 192.168.1.1/config</a:t>
+            </a:r>
+          </a:p>
+        </p:txBody>
+      </p:sp>
+      <p:pic>
+        <p:nvPicPr>
+          <p:cNvPr id="4" name="Picture 3">
+            <a:extLst>
+              <a:ext uri="{FF2B5EF4-FFF2-40B4-BE49-F238E27FC236}">
+                <a16:creationId xmlns:a16="http://schemas.microsoft.com/office/drawing/2014/main" id="{C412F9FB-4BB2-4766-9C53-923B4180703E}"/>
+              </a:ext>
+            </a:extLst>
+          </p:cNvPr>
+          <p:cNvPicPr>
+            <a:picLocks noChangeAspect="1"/>
+          </p:cNvPicPr>
+          <p:nvPr/>
+        </p:nvPicPr>
+        <p:blipFill>
+          <a:blip r:embed="rId3"/>
+          <a:stretch>
+            <a:fillRect/>
+          </a:stretch>
+        </p:blipFill>
+        <p:spPr>
+          <a:xfrm>
+            <a:off x="1597152" y="1502492"/>
+            <a:ext cx="7656577" cy="5127799"/>
+          </a:xfrm>
+          <a:prstGeom prst="rect">
+            <a:avLst/>
+          </a:prstGeom>
+        </p:spPr>
+      </p:pic>
+    </p:spTree>
+    <p:extLst>
+      <p:ext uri="{BB962C8B-B14F-4D97-AF65-F5344CB8AC3E}">
+        <p14:creationId xmlns:p14="http://schemas.microsoft.com/office/powerpoint/2010/main" val="550643150"/>
+      </p:ext>
+    </p:extLst>
+  </p:cSld>
+  <p:clrMapOvr>
+    <a:masterClrMapping/>
+  </p:clrMapOvr>
+  <mc:AlternateContent xmlns:mc="http://schemas.openxmlformats.org/markup-compatibility/2006" xmlns:p14="http://schemas.microsoft.com/office/powerpoint/2010/main">
+    <mc:Choice Requires="p14">
+      <p:transition spd="slow" p14:dur="2000" advTm="243"/>
+    </mc:Choice>
+    <mc:Fallback xmlns="">
+      <p:transition spd="slow" advTm="243"/>
+    </mc:Fallback>
+  </mc:AlternateContent>
+</p:sld>
+</file>
+
+<file path=ppt/slides/slide8.xml><?xml version="1.0" encoding="utf-8"?>
+<p:sld xmlns:a="http://schemas.openxmlformats.org/drawingml/2006/main" xmlns:r="http://schemas.openxmlformats.org/officeDocument/2006/relationships" xmlns:p="http://schemas.openxmlformats.org/presentationml/2006/main">
+  <p:cSld>
+    <p:spTree>
+      <p:nvGrpSpPr>
+        <p:cNvPr id="1" name=""/>
+        <p:cNvGrpSpPr/>
+        <p:nvPr/>
+      </p:nvGrpSpPr>
+      <p:grpSpPr>
+        <a:xfrm>
+          <a:off x="0" y="0"/>
+          <a:ext cx="0" cy="0"/>
+          <a:chOff x="0" y="0"/>
+          <a:chExt cx="0" cy="0"/>
+        </a:xfrm>
+      </p:grpSpPr>
+      <p:sp>
+        <p:nvSpPr>
+          <p:cNvPr id="2" name="Title 1">
+            <a:extLst>
+              <a:ext uri="{FF2B5EF4-FFF2-40B4-BE49-F238E27FC236}">
+                <a16:creationId xmlns:a16="http://schemas.microsoft.com/office/drawing/2014/main" id="{947476FE-7A49-4D90-9B67-FBD042C24C1F}"/>
+              </a:ext>
+            </a:extLst>
+          </p:cNvPr>
+          <p:cNvSpPr>
+            <a:spLocks noGrp="1"/>
+          </p:cNvSpPr>
+          <p:nvPr>
+            <p:ph type="title"/>
+          </p:nvPr>
+        </p:nvSpPr>
+        <p:spPr/>
+        <p:txBody>
+          <a:bodyPr/>
+          <a:lstStyle/>
+          <a:p>
+            <a:r>
+              <a:rPr lang="en-GB" dirty="0"/>
+              <a:t>The Jetson Nano 2GB</a:t>
+            </a:r>
+          </a:p>
+        </p:txBody>
+      </p:sp>
+      <p:sp>
+        <p:nvSpPr>
+          <p:cNvPr id="3" name="Content Placeholder 2">
+            <a:extLst>
+              <a:ext uri="{FF2B5EF4-FFF2-40B4-BE49-F238E27FC236}">
+                <a16:creationId xmlns:a16="http://schemas.microsoft.com/office/drawing/2014/main" id="{875470D3-4CBD-4A58-93F2-6E4997930FE7}"/>
+              </a:ext>
+            </a:extLst>
+          </p:cNvPr>
+          <p:cNvSpPr>
+            <a:spLocks noGrp="1"/>
+          </p:cNvSpPr>
+          <p:nvPr>
+            <p:ph idx="1"/>
+          </p:nvPr>
+        </p:nvSpPr>
+        <p:spPr/>
+        <p:txBody>
+          <a:bodyPr/>
+          <a:lstStyle/>
+          <a:p>
+            <a:r>
+              <a:rPr lang="en-GB" dirty="0"/>
+              <a:t>128-core NVIDA Maxwell GPU</a:t>
+            </a:r>
+          </a:p>
+          <a:p>
+            <a:r>
+              <a:rPr lang="en-GB" dirty="0"/>
+              <a:t>1.43 GHz Quad-core ARM A57 CPU</a:t>
+            </a:r>
+          </a:p>
+          <a:p>
+            <a:r>
+              <a:rPr lang="en-GB" dirty="0"/>
+              <a:t>2 GB of 64-bit LPDDR4 Memory</a:t>
+            </a:r>
+          </a:p>
+          <a:p>
+            <a:r>
+              <a:rPr lang="en-GB" dirty="0"/>
+              <a:t>SD card for storage</a:t>
+            </a:r>
+          </a:p>
+          <a:p>
+            <a:r>
+              <a:rPr lang="en-GB" dirty="0"/>
+              <a:t>Ethernet &amp; </a:t>
+            </a:r>
+            <a:r>
+              <a:rPr lang="en-GB" dirty="0" err="1"/>
+              <a:t>WiFi</a:t>
+            </a:r>
+            <a:endParaRPr lang="en-GB" dirty="0"/>
+          </a:p>
+          <a:p>
+            <a:r>
+              <a:rPr lang="en-GB" dirty="0"/>
+              <a:t>CSI-2 Connector for Camera</a:t>
+            </a:r>
+          </a:p>
+          <a:p>
+            <a:r>
+              <a:rPr lang="en-GB" dirty="0"/>
+              <a:t>Runs a modified version of Ubuntu 18.04</a:t>
+            </a:r>
+          </a:p>
+        </p:txBody>
+      </p:sp>
+      <p:pic>
+        <p:nvPicPr>
+          <p:cNvPr id="1026" name="Picture 2" descr="NVIDIA Jetson Nano Developer Kit | NVIDIA Developer">
+            <a:extLst>
+              <a:ext uri="{FF2B5EF4-FFF2-40B4-BE49-F238E27FC236}">
+                <a16:creationId xmlns:a16="http://schemas.microsoft.com/office/drawing/2014/main" id="{40EE1795-F07D-4727-AA22-93417B4BD6E9}"/>
+              </a:ext>
+            </a:extLst>
+          </p:cNvPr>
+          <p:cNvPicPr>
+            <a:picLocks noChangeAspect="1" noChangeArrowheads="1"/>
+          </p:cNvPicPr>
+          <p:nvPr/>
+        </p:nvPicPr>
+        <p:blipFill>
+          <a:blip r:embed="rId3">
+            <a:extLst>
+              <a:ext uri="{28A0092B-C50C-407E-A947-70E740481C1C}">
+                <a14:useLocalDpi xmlns:a14="http://schemas.microsoft.com/office/drawing/2010/main" val="0"/>
+              </a:ext>
+            </a:extLst>
+          </a:blip>
+          <a:srcRect/>
+          <a:stretch>
+            <a:fillRect/>
+          </a:stretch>
+        </p:blipFill>
+        <p:spPr bwMode="auto">
+          <a:xfrm>
+            <a:off x="7204889" y="1825625"/>
+            <a:ext cx="4649827" cy="3793626"/>
+          </a:xfrm>
+          <a:prstGeom prst="rect">
+            <a:avLst/>
+          </a:prstGeom>
+          <a:noFill/>
+          <a:extLst>
+            <a:ext uri="{909E8E84-426E-40DD-AFC4-6F175D3DCCD1}">
+              <a14:hiddenFill xmlns:a14="http://schemas.microsoft.com/office/drawing/2010/main">
+                <a:solidFill>
+                  <a:srgbClr val="FFFFFF"/>
+                </a:solidFill>
+              </a14:hiddenFill>
+            </a:ext>
+          </a:extLst>
+        </p:spPr>
+      </p:pic>
+    </p:spTree>
+    <p:extLst>
+      <p:ext uri="{BB962C8B-B14F-4D97-AF65-F5344CB8AC3E}">
+        <p14:creationId xmlns:p14="http://schemas.microsoft.com/office/powerpoint/2010/main" val="769960505"/>
+      </p:ext>
+    </p:extLst>
+  </p:cSld>
+  <p:clrMapOvr>
+    <a:masterClrMapping/>
+  </p:clrMapOvr>
+</p:sld>
+</file>
+
+<file path=ppt/slides/slide9.xml><?xml version="1.0" encoding="utf-8"?>
+<p:sld xmlns:a="http://schemas.openxmlformats.org/drawingml/2006/main" xmlns:r="http://schemas.openxmlformats.org/officeDocument/2006/relationships" xmlns:p="http://schemas.openxmlformats.org/presentationml/2006/main">
+  <p:cSld>
+    <p:spTree>
+      <p:nvGrpSpPr>
+        <p:cNvPr id="1" name=""/>
+        <p:cNvGrpSpPr/>
+        <p:nvPr/>
+      </p:nvGrpSpPr>
+      <p:grpSpPr>
+        <a:xfrm>
+          <a:off x="0" y="0"/>
+          <a:ext cx="0" cy="0"/>
+          <a:chOff x="0" y="0"/>
+          <a:chExt cx="0" cy="0"/>
+        </a:xfrm>
+      </p:grpSpPr>
+      <p:sp>
+        <p:nvSpPr>
+          <p:cNvPr id="2" name="Title 1">
+            <a:extLst>
+              <a:ext uri="{FF2B5EF4-FFF2-40B4-BE49-F238E27FC236}">
+                <a16:creationId xmlns:a16="http://schemas.microsoft.com/office/drawing/2014/main" id="{E986AE5C-10A6-C94C-9D95-8E1504BFCC57}"/>
+              </a:ext>
+            </a:extLst>
+          </p:cNvPr>
+          <p:cNvSpPr>
+            <a:spLocks noGrp="1"/>
+          </p:cNvSpPr>
+          <p:nvPr>
+            <p:ph type="title"/>
+          </p:nvPr>
+        </p:nvSpPr>
+        <p:spPr/>
+        <p:txBody>
+          <a:bodyPr/>
+          <a:lstStyle/>
+          <a:p>
+            <a:r>
+              <a:rPr lang="en-US" dirty="0"/>
+              <a:t>The Jetson Nano 2GB</a:t>
+            </a:r>
+          </a:p>
+        </p:txBody>
+      </p:sp>
+      <p:sp>
+        <p:nvSpPr>
+          <p:cNvPr id="26" name="Content Placeholder 2">
+            <a:extLst>
+              <a:ext uri="{FF2B5EF4-FFF2-40B4-BE49-F238E27FC236}">
+                <a16:creationId xmlns:a16="http://schemas.microsoft.com/office/drawing/2014/main" id="{B7D47E9E-963C-4E61-9078-725898E18363}"/>
+              </a:ext>
+            </a:extLst>
+          </p:cNvPr>
+          <p:cNvSpPr>
+            <a:spLocks noGrp="1"/>
+          </p:cNvSpPr>
+          <p:nvPr>
+            <p:ph idx="1"/>
+          </p:nvPr>
+        </p:nvSpPr>
+        <p:spPr>
+          <a:xfrm>
+            <a:off x="838200" y="1825625"/>
+            <a:ext cx="9521536" cy="4667250"/>
+          </a:xfrm>
+        </p:spPr>
+        <p:txBody>
+          <a:bodyPr>
+            <a:normAutofit/>
+          </a:bodyPr>
+          <a:lstStyle/>
+          <a:p>
+            <a:r>
+              <a:rPr lang="en-GB" dirty="0"/>
+              <a:t>Communicates with the Hacker Board serially via ROS</a:t>
+            </a:r>
+          </a:p>
+          <a:p>
+            <a:r>
+              <a:rPr lang="en-GB" dirty="0"/>
+              <a:t>Runs NVIDIA’s own version of Linux, similar to Ubuntu</a:t>
+            </a:r>
+          </a:p>
+          <a:p>
+            <a:r>
+              <a:rPr lang="en-GB" dirty="0"/>
+              <a:t>The OS is flashed onto the SD card by a PC</a:t>
+            </a:r>
+          </a:p>
+          <a:p>
+            <a:r>
+              <a:rPr lang="en-GB" dirty="0"/>
+              <a:t>Three options for setup</a:t>
+            </a:r>
+          </a:p>
+          <a:p>
+            <a:pPr lvl="1"/>
+            <a:r>
+              <a:rPr lang="en-GB" dirty="0"/>
+              <a:t>Use the provided image in place of the NVIDIA image (recommended)</a:t>
+            </a:r>
+          </a:p>
+          <a:p>
+            <a:pPr lvl="1"/>
+            <a:r>
+              <a:rPr lang="en-GB" dirty="0"/>
+              <a:t>Run a setup bash file</a:t>
+            </a:r>
+          </a:p>
+          <a:p>
+            <a:pPr lvl="1"/>
+            <a:r>
+              <a:rPr lang="en-GB" dirty="0"/>
+              <a:t>Manual installation</a:t>
+            </a:r>
+          </a:p>
+          <a:p>
+            <a:pPr lvl="1"/>
+            <a:endParaRPr lang="en-GB" dirty="0"/>
+          </a:p>
+        </p:txBody>
+      </p:sp>
+    </p:spTree>
+    <p:extLst>
+      <p:ext uri="{BB962C8B-B14F-4D97-AF65-F5344CB8AC3E}">
+        <p14:creationId xmlns:p14="http://schemas.microsoft.com/office/powerpoint/2010/main" val="236806603"/>
       </p:ext>
     </p:extLst>
   </p:cSld>
